--- a/DER project.pptx
+++ b/DER project.pptx
@@ -18,14 +18,15 @@
     <p:sldId id="265" r:id="rId15"/>
     <p:sldId id="275" r:id="rId16"/>
     <p:sldId id="267" r:id="rId17"/>
-    <p:sldId id="268" r:id="rId18"/>
-    <p:sldId id="269" r:id="rId19"/>
-    <p:sldId id="270" r:id="rId20"/>
-    <p:sldId id="271" r:id="rId21"/>
-    <p:sldId id="272" r:id="rId22"/>
-    <p:sldId id="277" r:id="rId23"/>
-    <p:sldId id="274" r:id="rId24"/>
-    <p:sldId id="276" r:id="rId25"/>
+    <p:sldId id="278" r:id="rId18"/>
+    <p:sldId id="268" r:id="rId19"/>
+    <p:sldId id="269" r:id="rId20"/>
+    <p:sldId id="270" r:id="rId21"/>
+    <p:sldId id="271" r:id="rId22"/>
+    <p:sldId id="272" r:id="rId23"/>
+    <p:sldId id="277" r:id="rId24"/>
+    <p:sldId id="274" r:id="rId25"/>
+    <p:sldId id="276" r:id="rId26"/>
   </p:sldIdLst>
   <p:sldSz cx="12192000" cy="6858000"/>
   <p:notesSz cx="6858000" cy="9144000"/>
@@ -135,11 +136,9 @@
 <file path=ppt/revisionInfo.xml><?xml version="1.0" encoding="utf-8"?>
 <p1510:revInfo xmlns:a="http://schemas.openxmlformats.org/drawingml/2006/main" xmlns:r="http://schemas.openxmlformats.org/officeDocument/2006/relationships" xmlns:p1510="http://schemas.microsoft.com/office/powerpoint/2015/10/main">
   <p1510:revLst>
-    <p1510:client id="{5FC22BF0-1C23-469D-B779-557A48CC6A4D}" v="11" dt="2021-07-01T17:20:15.442"/>
-    <p1510:client id="{9EAD74E3-894F-7CD8-D575-979C29E692ED}" v="144" dt="2021-07-02T14:11:09.708"/>
-    <p1510:client id="{B3FDFB29-2728-499F-B3FA-DCAA573DCBD2}" v="898" dt="2021-07-02T16:35:52.939"/>
-    <p1510:client id="{D9653514-19C3-D2A2-4971-B7ED0C3B7D28}" v="394" dt="2021-07-02T16:21:01.975"/>
-    <p1510:client id="{ED9B574F-1FE9-4682-A2F6-92CCE8278FC0}" v="1763" dt="2021-07-02T15:02:30.087"/>
+    <p1510:client id="{B3FDFB29-2728-499F-B3FA-DCAA573DCBD2}" v="900" dt="2021-07-03T17:41:47.702"/>
+    <p1510:client id="{ED9B574F-1FE9-4682-A2F6-92CCE8278FC0}" v="1936" dt="2021-07-04T09:07:00.356"/>
+    <p1510:client id="{FF4DDEE0-2187-4B5F-23F8-D90CC8C667E0}" v="36" dt="2021-07-03T15:48:27.026"/>
   </p1510:revLst>
 </p1510:revInfo>
 </file>
@@ -866,7 +865,7 @@
           <a:p>
             <a:fld id="{01B18FBA-856B-49BC-841B-B99ADE79AB30}" type="datetimeFigureOut">
               <a:rPr lang="it-IT" smtClean="0"/>
-              <a:t>02/07/2021</a:t>
+              <a:t>04/07/2021</a:t>
             </a:fld>
             <a:endParaRPr lang="it-IT"/>
           </a:p>
@@ -908,7 +907,7 @@
           <a:p>
             <a:fld id="{A348B12D-BA26-44F9-9B05-F46F4871A558}" type="slidenum">
               <a:rPr lang="it-IT" smtClean="0"/>
-              <a:t>‹N›</a:t>
+              <a:t>‹#›</a:t>
             </a:fld>
             <a:endParaRPr lang="it-IT"/>
           </a:p>
@@ -1117,7 +1116,7 @@
           <a:p>
             <a:fld id="{01B18FBA-856B-49BC-841B-B99ADE79AB30}" type="datetimeFigureOut">
               <a:rPr lang="it-IT" smtClean="0"/>
-              <a:t>02/07/2021</a:t>
+              <a:t>04/07/2021</a:t>
             </a:fld>
             <a:endParaRPr lang="it-IT"/>
           </a:p>
@@ -1159,7 +1158,7 @@
           <a:p>
             <a:fld id="{A348B12D-BA26-44F9-9B05-F46F4871A558}" type="slidenum">
               <a:rPr lang="it-IT" smtClean="0"/>
-              <a:t>‹N›</a:t>
+              <a:t>‹#›</a:t>
             </a:fld>
             <a:endParaRPr lang="it-IT"/>
           </a:p>
@@ -1431,7 +1430,7 @@
           <a:p>
             <a:fld id="{01B18FBA-856B-49BC-841B-B99ADE79AB30}" type="datetimeFigureOut">
               <a:rPr lang="it-IT" smtClean="0"/>
-              <a:t>02/07/2021</a:t>
+              <a:t>04/07/2021</a:t>
             </a:fld>
             <a:endParaRPr lang="it-IT"/>
           </a:p>
@@ -1473,7 +1472,7 @@
           <a:p>
             <a:fld id="{A348B12D-BA26-44F9-9B05-F46F4871A558}" type="slidenum">
               <a:rPr lang="it-IT" smtClean="0"/>
-              <a:t>‹N›</a:t>
+              <a:t>‹#›</a:t>
             </a:fld>
             <a:endParaRPr lang="it-IT"/>
           </a:p>
@@ -1772,7 +1771,7 @@
           <a:p>
             <a:fld id="{01B18FBA-856B-49BC-841B-B99ADE79AB30}" type="datetimeFigureOut">
               <a:rPr lang="it-IT" smtClean="0"/>
-              <a:t>02/07/2021</a:t>
+              <a:t>04/07/2021</a:t>
             </a:fld>
             <a:endParaRPr lang="it-IT"/>
           </a:p>
@@ -1814,7 +1813,7 @@
           <a:p>
             <a:fld id="{A348B12D-BA26-44F9-9B05-F46F4871A558}" type="slidenum">
               <a:rPr lang="it-IT" smtClean="0"/>
-              <a:t>‹N›</a:t>
+              <a:t>‹#›</a:t>
             </a:fld>
             <a:endParaRPr lang="it-IT"/>
           </a:p>
@@ -2086,7 +2085,7 @@
           <a:p>
             <a:fld id="{01B18FBA-856B-49BC-841B-B99ADE79AB30}" type="datetimeFigureOut">
               <a:rPr lang="it-IT" smtClean="0"/>
-              <a:t>02/07/2021</a:t>
+              <a:t>04/07/2021</a:t>
             </a:fld>
             <a:endParaRPr lang="it-IT"/>
           </a:p>
@@ -2128,7 +2127,7 @@
           <a:p>
             <a:fld id="{A348B12D-BA26-44F9-9B05-F46F4871A558}" type="slidenum">
               <a:rPr lang="it-IT" smtClean="0"/>
-              <a:t>‹N›</a:t>
+              <a:t>‹#›</a:t>
             </a:fld>
             <a:endParaRPr lang="it-IT"/>
           </a:p>
@@ -2479,7 +2478,7 @@
           <a:p>
             <a:fld id="{01B18FBA-856B-49BC-841B-B99ADE79AB30}" type="datetimeFigureOut">
               <a:rPr lang="it-IT" smtClean="0"/>
-              <a:t>02/07/2021</a:t>
+              <a:t>04/07/2021</a:t>
             </a:fld>
             <a:endParaRPr lang="it-IT"/>
           </a:p>
@@ -2521,7 +2520,7 @@
           <a:p>
             <a:fld id="{A348B12D-BA26-44F9-9B05-F46F4871A558}" type="slidenum">
               <a:rPr lang="it-IT" smtClean="0"/>
-              <a:t>‹N›</a:t>
+              <a:t>‹#›</a:t>
             </a:fld>
             <a:endParaRPr lang="it-IT"/>
           </a:p>
@@ -2649,7 +2648,7 @@
           <a:p>
             <a:fld id="{01B18FBA-856B-49BC-841B-B99ADE79AB30}" type="datetimeFigureOut">
               <a:rPr lang="it-IT" smtClean="0"/>
-              <a:t>02/07/2021</a:t>
+              <a:t>04/07/2021</a:t>
             </a:fld>
             <a:endParaRPr lang="it-IT"/>
           </a:p>
@@ -2691,7 +2690,7 @@
           <a:p>
             <a:fld id="{A348B12D-BA26-44F9-9B05-F46F4871A558}" type="slidenum">
               <a:rPr lang="it-IT" smtClean="0"/>
-              <a:t>‹N›</a:t>
+              <a:t>‹#›</a:t>
             </a:fld>
             <a:endParaRPr lang="it-IT"/>
           </a:p>
@@ -2829,7 +2828,7 @@
           <a:p>
             <a:fld id="{01B18FBA-856B-49BC-841B-B99ADE79AB30}" type="datetimeFigureOut">
               <a:rPr lang="it-IT" smtClean="0"/>
-              <a:t>02/07/2021</a:t>
+              <a:t>04/07/2021</a:t>
             </a:fld>
             <a:endParaRPr lang="it-IT"/>
           </a:p>
@@ -2871,7 +2870,7 @@
           <a:p>
             <a:fld id="{A348B12D-BA26-44F9-9B05-F46F4871A558}" type="slidenum">
               <a:rPr lang="it-IT" smtClean="0"/>
-              <a:t>‹N›</a:t>
+              <a:t>‹#›</a:t>
             </a:fld>
             <a:endParaRPr lang="it-IT"/>
           </a:p>
@@ -3005,7 +3004,7 @@
           <a:p>
             <a:fld id="{01B18FBA-856B-49BC-841B-B99ADE79AB30}" type="datetimeFigureOut">
               <a:rPr lang="it-IT" smtClean="0"/>
-              <a:t>02/07/2021</a:t>
+              <a:t>04/07/2021</a:t>
             </a:fld>
             <a:endParaRPr lang="it-IT"/>
           </a:p>
@@ -3047,7 +3046,7 @@
           <a:p>
             <a:fld id="{A348B12D-BA26-44F9-9B05-F46F4871A558}" type="slidenum">
               <a:rPr lang="it-IT" smtClean="0"/>
-              <a:t>‹N›</a:t>
+              <a:t>‹#›</a:t>
             </a:fld>
             <a:endParaRPr lang="it-IT"/>
           </a:p>
@@ -3252,7 +3251,7 @@
           <a:p>
             <a:fld id="{01B18FBA-856B-49BC-841B-B99ADE79AB30}" type="datetimeFigureOut">
               <a:rPr lang="it-IT" smtClean="0"/>
-              <a:t>02/07/2021</a:t>
+              <a:t>04/07/2021</a:t>
             </a:fld>
             <a:endParaRPr lang="it-IT"/>
           </a:p>
@@ -3294,7 +3293,7 @@
           <a:p>
             <a:fld id="{A348B12D-BA26-44F9-9B05-F46F4871A558}" type="slidenum">
               <a:rPr lang="it-IT" smtClean="0"/>
-              <a:t>‹N›</a:t>
+              <a:t>‹#›</a:t>
             </a:fld>
             <a:endParaRPr lang="it-IT"/>
           </a:p>
@@ -3484,7 +3483,7 @@
           <a:p>
             <a:fld id="{01B18FBA-856B-49BC-841B-B99ADE79AB30}" type="datetimeFigureOut">
               <a:rPr lang="it-IT" smtClean="0"/>
-              <a:t>02/07/2021</a:t>
+              <a:t>04/07/2021</a:t>
             </a:fld>
             <a:endParaRPr lang="it-IT"/>
           </a:p>
@@ -3526,7 +3525,7 @@
           <a:p>
             <a:fld id="{A348B12D-BA26-44F9-9B05-F46F4871A558}" type="slidenum">
               <a:rPr lang="it-IT" smtClean="0"/>
-              <a:t>‹N›</a:t>
+              <a:t>‹#›</a:t>
             </a:fld>
             <a:endParaRPr lang="it-IT"/>
           </a:p>
@@ -3858,7 +3857,7 @@
           <a:p>
             <a:fld id="{01B18FBA-856B-49BC-841B-B99ADE79AB30}" type="datetimeFigureOut">
               <a:rPr lang="it-IT" smtClean="0"/>
-              <a:t>02/07/2021</a:t>
+              <a:t>04/07/2021</a:t>
             </a:fld>
             <a:endParaRPr lang="it-IT"/>
           </a:p>
@@ -3900,7 +3899,7 @@
           <a:p>
             <a:fld id="{A348B12D-BA26-44F9-9B05-F46F4871A558}" type="slidenum">
               <a:rPr lang="it-IT" smtClean="0"/>
-              <a:t>‹N›</a:t>
+              <a:t>‹#›</a:t>
             </a:fld>
             <a:endParaRPr lang="it-IT"/>
           </a:p>
@@ -3981,7 +3980,7 @@
           <a:p>
             <a:fld id="{01B18FBA-856B-49BC-841B-B99ADE79AB30}" type="datetimeFigureOut">
               <a:rPr lang="it-IT" smtClean="0"/>
-              <a:t>02/07/2021</a:t>
+              <a:t>04/07/2021</a:t>
             </a:fld>
             <a:endParaRPr lang="it-IT"/>
           </a:p>
@@ -4023,7 +4022,7 @@
           <a:p>
             <a:fld id="{A348B12D-BA26-44F9-9B05-F46F4871A558}" type="slidenum">
               <a:rPr lang="it-IT" smtClean="0"/>
-              <a:t>‹N›</a:t>
+              <a:t>‹#›</a:t>
             </a:fld>
             <a:endParaRPr lang="it-IT"/>
           </a:p>
@@ -4076,7 +4075,7 @@
           <a:p>
             <a:fld id="{01B18FBA-856B-49BC-841B-B99ADE79AB30}" type="datetimeFigureOut">
               <a:rPr lang="it-IT" smtClean="0"/>
-              <a:t>02/07/2021</a:t>
+              <a:t>04/07/2021</a:t>
             </a:fld>
             <a:endParaRPr lang="it-IT"/>
           </a:p>
@@ -4118,7 +4117,7 @@
           <a:p>
             <a:fld id="{A348B12D-BA26-44F9-9B05-F46F4871A558}" type="slidenum">
               <a:rPr lang="it-IT" smtClean="0"/>
-              <a:t>‹N›</a:t>
+              <a:t>‹#›</a:t>
             </a:fld>
             <a:endParaRPr lang="it-IT"/>
           </a:p>
@@ -4331,7 +4330,7 @@
           <a:p>
             <a:fld id="{01B18FBA-856B-49BC-841B-B99ADE79AB30}" type="datetimeFigureOut">
               <a:rPr lang="it-IT" smtClean="0"/>
-              <a:t>02/07/2021</a:t>
+              <a:t>04/07/2021</a:t>
             </a:fld>
             <a:endParaRPr lang="it-IT"/>
           </a:p>
@@ -4373,7 +4372,7 @@
           <a:p>
             <a:fld id="{A348B12D-BA26-44F9-9B05-F46F4871A558}" type="slidenum">
               <a:rPr lang="it-IT" smtClean="0"/>
-              <a:t>‹N›</a:t>
+              <a:t>‹#›</a:t>
             </a:fld>
             <a:endParaRPr lang="it-IT"/>
           </a:p>
@@ -4594,7 +4593,7 @@
           <a:p>
             <a:fld id="{01B18FBA-856B-49BC-841B-B99ADE79AB30}" type="datetimeFigureOut">
               <a:rPr lang="it-IT" smtClean="0"/>
-              <a:t>02/07/2021</a:t>
+              <a:t>04/07/2021</a:t>
             </a:fld>
             <a:endParaRPr lang="it-IT"/>
           </a:p>
@@ -4636,7 +4635,7 @@
           <a:p>
             <a:fld id="{A348B12D-BA26-44F9-9B05-F46F4871A558}" type="slidenum">
               <a:rPr lang="it-IT" smtClean="0"/>
-              <a:t>‹N›</a:t>
+              <a:t>‹#›</a:t>
             </a:fld>
             <a:endParaRPr lang="it-IT"/>
           </a:p>
@@ -5337,7 +5336,7 @@
           <a:p>
             <a:fld id="{01B18FBA-856B-49BC-841B-B99ADE79AB30}" type="datetimeFigureOut">
               <a:rPr lang="it-IT" smtClean="0"/>
-              <a:t>02/07/2021</a:t>
+              <a:t>04/07/2021</a:t>
             </a:fld>
             <a:endParaRPr lang="it-IT"/>
           </a:p>
@@ -5413,7 +5412,7 @@
           <a:p>
             <a:fld id="{A348B12D-BA26-44F9-9B05-F46F4871A558}" type="slidenum">
               <a:rPr lang="it-IT" smtClean="0"/>
-              <a:t>‹N›</a:t>
+              <a:t>‹#›</a:t>
             </a:fld>
             <a:endParaRPr lang="it-IT"/>
           </a:p>
@@ -6815,7 +6814,7 @@
           <a:lstStyle/>
           <a:p>
             <a:r>
-              <a:rPr lang="en-US" dirty="0">
+              <a:rPr lang="en-US">
                 <a:solidFill>
                   <a:schemeClr val="tx1">
                     <a:lumMod val="85000"/>
@@ -6989,14 +6988,14 @@
           <a:lstStyle/>
           <a:p>
             <a:r>
-              <a:rPr lang="en-US" dirty="0">
+              <a:rPr lang="en-US">
                 <a:solidFill>
                   <a:srgbClr val="FFFFFF"/>
                 </a:solidFill>
                 <a:ea typeface="+mn-lt"/>
                 <a:cs typeface="+mn-lt"/>
               </a:rPr>
-              <a:t>DER work towards General Continual Learning (GCL), where task boundaries blur and the domain and class distributions shift either gradually or suddenly. Method address it through mixing rehearsal with knowledge distillation and regularization; Dark Experience Replay, matches the network’s logits sampled throughout the optimization trajectory, thus promoting consistency with its past. By conducting an extensive analysis on both standard benchmarks and a novel GCL evaluation setting (MNIST-360)</a:t>
+              <a:t>DER work towards General Continual Learning (GCL), where task boundaries blur and the domain and class distributions shift either gradually or suddenly. Method address it through mixing rehearsal with knowledge distillation and regularization; Dark Experience Replay, matches the network’s logits sampled throughout the optimization trajectory, thus promoting consistency with its past. </a:t>
             </a:r>
           </a:p>
         </p:txBody>
@@ -7060,14 +7059,14 @@
           <a:lstStyle/>
           <a:p>
             <a:r>
-              <a:rPr lang="en-US" dirty="0"/>
+              <a:rPr lang="en-US"/>
               <a:t>Dark Experiences Replay</a:t>
             </a:r>
           </a:p>
         </p:txBody>
       </p:sp>
-      <mc:AlternateContent xmlns:mc="http://schemas.openxmlformats.org/markup-compatibility/2006">
-        <mc:Choice xmlns:a14="http://schemas.microsoft.com/office/drawing/2010/main" Requires="a14">
+      <mc:AlternateContent xmlns:mc="http://schemas.openxmlformats.org/markup-compatibility/2006" xmlns:a14="http://schemas.microsoft.com/office/drawing/2010/main">
+        <mc:Choice Requires="a14">
           <p:sp>
             <p:nvSpPr>
               <p:cNvPr id="3" name="Content Placeholder 2">
@@ -7509,7 +7508,7 @@
                     <a:ea typeface="+mn-lt"/>
                     <a:cs typeface="+mn-lt"/>
                   </a:rPr>
-                  <a:t>(x) , </a:t>
+                  <a:t>(x) defined as </a:t>
                 </a:r>
                 <a:r>
                   <a:rPr lang="en-US" sz="6400" dirty="0" err="1">
@@ -7634,7 +7633,7 @@
             </p:txBody>
           </p:sp>
         </mc:Choice>
-        <mc:Fallback>
+        <mc:Fallback xmlns="">
           <p:sp>
             <p:nvSpPr>
               <p:cNvPr id="3" name="Content Placeholder 2">
@@ -7659,7 +7658,7 @@
               <a:blipFill>
                 <a:blip r:embed="rId2"/>
                 <a:stretch>
-                  <a:fillRect l="-65" t="-1015"/>
+                  <a:fillRect l="-131" t="-1015"/>
                 </a:stretch>
               </a:blipFill>
             </p:spPr>
@@ -7668,7 +7667,7 @@
               <a:lstStyle/>
               <a:p>
                 <a:r>
-                  <a:rPr lang="it-IT">
+                  <a:rPr lang="en-US">
                     <a:noFill/>
                   </a:rPr>
                   <a:t> </a:t>
@@ -7773,7 +7772,7 @@
           <a:lstStyle/>
           <a:p>
             <a:r>
-              <a:rPr lang="en-US" dirty="0"/>
+              <a:rPr lang="en-US"/>
               <a:t>Dark Experiences Replay</a:t>
             </a:r>
           </a:p>
@@ -7870,7 +7869,7 @@
             <p:spPr>
               <a:xfrm>
                 <a:off x="677334" y="3582616"/>
-                <a:ext cx="8858552" cy="1569660"/>
+                <a:ext cx="8858552" cy="1328890"/>
               </a:xfrm>
               <a:prstGeom prst="rect">
                 <a:avLst/>
@@ -7892,24 +7891,39 @@
                 </a:r>
                 <a14:m>
                   <m:oMath xmlns:m="http://schemas.openxmlformats.org/officeDocument/2006/math">
-                    <m:r>
-                      <a:rPr lang="en-US" sz="1600" i="1" dirty="0" smtClean="0">
-                        <a:latin typeface="Cambria Math" panose="02040503050406030204" pitchFamily="18" charset="0"/>
-                      </a:rPr>
-                      <m:t>𝜃</m:t>
-                    </m:r>
-                    <m:r>
-                      <a:rPr lang="en-US" sz="1600" i="1" dirty="0" smtClean="0">
-                        <a:latin typeface="Cambria Math" panose="02040503050406030204" pitchFamily="18" charset="0"/>
-                      </a:rPr>
-                      <m:t> ∗ </m:t>
-                    </m:r>
-                    <m:r>
-                      <a:rPr lang="en-US" sz="1600" i="1" dirty="0" smtClean="0">
-                        <a:latin typeface="Cambria Math" panose="02040503050406030204" pitchFamily="18" charset="0"/>
-                      </a:rPr>
-                      <m:t>𝑡</m:t>
-                    </m:r>
+                    <m:sSubSup>
+                      <m:sSubSupPr>
+                        <m:ctrlPr>
+                          <a:rPr lang="en-US" sz="1600" i="1" dirty="0" smtClean="0">
+                            <a:latin typeface="Cambria Math" panose="02040503050406030204" pitchFamily="18" charset="0"/>
+                          </a:rPr>
+                        </m:ctrlPr>
+                      </m:sSubSupPr>
+                      <m:e>
+                        <m:r>
+                          <a:rPr lang="en-US" sz="1600" i="1" dirty="0">
+                            <a:latin typeface="Cambria Math" panose="02040503050406030204" pitchFamily="18" charset="0"/>
+                          </a:rPr>
+                          <m:t>𝜃</m:t>
+                        </m:r>
+                      </m:e>
+                      <m:sub>
+                        <m:r>
+                          <a:rPr lang="en-US" sz="1600" i="1" dirty="0">
+                            <a:latin typeface="Cambria Math" panose="02040503050406030204" pitchFamily="18" charset="0"/>
+                          </a:rPr>
+                          <m:t>𝑡</m:t>
+                        </m:r>
+                      </m:sub>
+                      <m:sup>
+                        <m:r>
+                          <a:rPr lang="en-US" sz="1600" i="1" dirty="0">
+                            <a:latin typeface="Cambria Math" panose="02040503050406030204" pitchFamily="18" charset="0"/>
+                          </a:rPr>
+                          <m:t>∗</m:t>
+                        </m:r>
+                      </m:sup>
+                    </m:sSubSup>
                     <m:r>
                       <a:rPr lang="en-US" sz="1600" i="1" dirty="0" smtClean="0">
                         <a:latin typeface="Cambria Math" panose="02040503050406030204" pitchFamily="18" charset="0"/>
@@ -7934,7 +7948,7 @@
                 </a14:m>
                 <a:r>
                   <a:rPr lang="en-US" sz="1600" dirty="0"/>
-                  <a:t> is a hyper-parameter balancing the trade-off between the terms. This objective, which resembles the teacher-student approach, would require the availability of </a:t>
+                  <a:t> is a hyper-parameter balancing the trade-off between the terms. This objective would require the availability of </a:t>
                 </a:r>
                 <a14:m>
                   <m:oMath xmlns:m="http://schemas.openxmlformats.org/officeDocument/2006/math">
@@ -8012,7 +8026,7 @@
                 </a14:m>
                 <a:r>
                   <a:rPr lang="en-US" sz="1600" dirty="0"/>
-                  <a:t> holding past experiences for task t. Differently from other rehearsal-based methods, we retain the network’s logits z , </a:t>
+                  <a:t> holding past experiences for task t. Differently from other rehearsal-based methods, we retain the network’s logits z defined as </a:t>
                 </a:r>
                 <a14:m>
                   <m:oMath xmlns:m="http://schemas.openxmlformats.org/officeDocument/2006/math">
@@ -8093,7 +8107,7 @@
             <p:spPr>
               <a:xfrm>
                 <a:off x="677334" y="3582616"/>
-                <a:ext cx="8858552" cy="1569660"/>
+                <a:ext cx="8858552" cy="1328890"/>
               </a:xfrm>
               <a:prstGeom prst="rect">
                 <a:avLst/>
@@ -8101,7 +8115,7 @@
               <a:blipFill>
                 <a:blip r:embed="rId3"/>
                 <a:stretch>
-                  <a:fillRect l="-344" t="-1556" b="-3891"/>
+                  <a:fillRect l="-344" t="-1835" b="-4128"/>
                 </a:stretch>
               </a:blipFill>
             </p:spPr>
@@ -8148,8 +8162,8 @@
         </p:blipFill>
         <p:spPr>
           <a:xfrm>
-            <a:off x="677334" y="5244980"/>
-            <a:ext cx="5274103" cy="813223"/>
+            <a:off x="806730" y="5241054"/>
+            <a:ext cx="5875329" cy="905927"/>
           </a:xfrm>
           <a:prstGeom prst="rect">
             <a:avLst/>
@@ -8200,8 +8214,8 @@
         </p:nvSpPr>
         <p:spPr>
           <a:xfrm>
-            <a:off x="303523" y="776741"/>
-            <a:ext cx="9426706" cy="1169551"/>
+            <a:off x="677334" y="1255808"/>
+            <a:ext cx="8858552" cy="1569660"/>
           </a:xfrm>
           <a:prstGeom prst="rect">
             <a:avLst/>
@@ -8218,62 +8232,20 @@
           <a:lstStyle/>
           <a:p>
             <a:r>
-              <a:rPr lang="en-US" sz="1400" dirty="0"/>
+              <a:rPr lang="en-US" sz="1600"/>
               <a:t>As</a:t>
             </a:r>
             <a:r>
-              <a:rPr lang="en-US" sz="1400" dirty="0">
+              <a:rPr lang="en-US" sz="1600">
                 <a:ea typeface="+mn-lt"/>
                 <a:cs typeface="+mn-lt"/>
               </a:rPr>
               <a:t> a focus on General Continual Learning, it is intentionally avoided to rely on task boundaries to populate the buffer as the training progresses. Therefore, in place of the common task-stratified sampling strategy, it's adopted a reservoir sampling: this way, selected |M| random samples from the input stream, guaranteeing that they have the same probability |M|/|S| of being stored in the buffer, without knowing the length of the stream S in advance. We can rewrite previous formula as follows: </a:t>
             </a:r>
             <a:r>
-              <a:rPr lang="en-US" sz="1400" dirty="0"/>
+              <a:rPr lang="en-US" sz="1600"/>
               <a:t> </a:t>
             </a:r>
-          </a:p>
-        </p:txBody>
-      </p:sp>
-      <p:sp>
-        <p:nvSpPr>
-          <p:cNvPr id="9" name="TextBox 8">
-            <a:extLst>
-              <a:ext uri="{FF2B5EF4-FFF2-40B4-BE49-F238E27FC236}">
-                <a16:creationId xmlns:a16="http://schemas.microsoft.com/office/drawing/2014/main" id="{6BDDE1C8-2E41-43F9-AE05-224C2E298EE5}"/>
-              </a:ext>
-            </a:extLst>
-          </p:cNvPr>
-          <p:cNvSpPr txBox="1"/>
-          <p:nvPr/>
-        </p:nvSpPr>
-        <p:spPr>
-          <a:xfrm>
-            <a:off x="303522" y="2847080"/>
-            <a:ext cx="9426706" cy="1169551"/>
-          </a:xfrm>
-          <a:prstGeom prst="rect">
-            <a:avLst/>
-          </a:prstGeom>
-          <a:noFill/>
-        </p:spPr>
-        <p:txBody>
-          <a:bodyPr rot="0" spcFirstLastPara="0" vertOverflow="overflow" horzOverflow="overflow" vert="horz" wrap="square" lIns="91440" tIns="45720" rIns="91440" bIns="45720" numCol="1" spcCol="0" rtlCol="0" fromWordArt="0" anchor="t" anchorCtr="0" forceAA="0" compatLnSpc="1">
-            <a:prstTxWarp prst="textNoShape">
-              <a:avLst/>
-            </a:prstTxWarp>
-            <a:spAutoFit/>
-          </a:bodyPr>
-          <a:lstStyle/>
-          <a:p>
-            <a:r>
-              <a:rPr lang="en-US" sz="1400" dirty="0">
-                <a:ea typeface="+mn-lt"/>
-                <a:cs typeface="+mn-lt"/>
-              </a:rPr>
-              <a:t>Such a strategy implies picking logits z during the optimization trajectory, so potentially different from the ones that can be observed at the task’s local optimum. Even if counter-intuitive, we empirically observed that this strategy does not hurt performance, while still being suitable without task boundaries. Furthermore, we observe that the replay of sub-optimal logits has beneficial effects in terms of flatness of the attained minima and calibration</a:t>
-            </a:r>
-            <a:endParaRPr lang="en-US" dirty="0"/>
           </a:p>
         </p:txBody>
       </p:sp>
@@ -8291,8 +8263,8 @@
         </p:nvSpPr>
         <p:spPr>
           <a:xfrm>
-            <a:off x="346653" y="4054778"/>
-            <a:ext cx="9426706" cy="954107"/>
+            <a:off x="677334" y="3955588"/>
+            <a:ext cx="8858552" cy="584775"/>
           </a:xfrm>
           <a:prstGeom prst="rect">
             <a:avLst/>
@@ -8309,13 +8281,27 @@
           <a:lstStyle/>
           <a:p>
             <a:r>
-              <a:rPr lang="en-US" sz="1400">
+              <a:rPr lang="en-US" sz="1600" dirty="0">
                 <a:ea typeface="+mn-lt"/>
                 <a:cs typeface="+mn-lt"/>
               </a:rPr>
-              <a:t>Under mild assumptions, the optimization of the KL divergence in Eq. 4 is equivalent to minimizing the Euclidean distance between the corresponding pre-softmax responses (i.e. logits). The work strategy opts for matching logits, as it avoids the information loss occurring in probability space due to the squashing function (e.g., softmax). With these considerations in hands, Dark Experience Replay optimizes the following objective:</a:t>
-            </a:r>
-            <a:endParaRPr lang="en-US"/>
+              <a:t>The optimization of the KL divergence is equivalent to minimizing the Euclidean distance between the corresponding </a:t>
+            </a:r>
+            <a:r>
+              <a:rPr lang="en-US" sz="1600" dirty="0" err="1">
+                <a:ea typeface="+mn-lt"/>
+                <a:cs typeface="+mn-lt"/>
+              </a:rPr>
+              <a:t>softmax</a:t>
+            </a:r>
+            <a:r>
+              <a:rPr lang="en-US" sz="1600" dirty="0">
+                <a:ea typeface="+mn-lt"/>
+                <a:cs typeface="+mn-lt"/>
+              </a:rPr>
+              <a:t> responses (i.e. logits). </a:t>
+            </a:r>
+            <a:endParaRPr lang="en-US" sz="2000" dirty="0"/>
           </a:p>
         </p:txBody>
       </p:sp>
@@ -8347,7 +8333,7 @@
         </p:blipFill>
         <p:spPr>
           <a:xfrm>
-            <a:off x="429254" y="2070198"/>
+            <a:off x="783817" y="3062054"/>
             <a:ext cx="9039943" cy="647618"/>
           </a:xfrm>
           <a:prstGeom prst="rect">
@@ -8383,7 +8369,7 @@
         </p:blipFill>
         <p:spPr>
           <a:xfrm>
-            <a:off x="515022" y="5178490"/>
+            <a:off x="783817" y="5357812"/>
             <a:ext cx="8041149" cy="793102"/>
           </a:xfrm>
           <a:prstGeom prst="rect">
@@ -8391,6 +8377,41 @@
           </a:prstGeom>
         </p:spPr>
       </p:pic>
+      <p:sp>
+        <p:nvSpPr>
+          <p:cNvPr id="7" name="Title 1">
+            <a:extLst>
+              <a:ext uri="{FF2B5EF4-FFF2-40B4-BE49-F238E27FC236}">
+                <a16:creationId xmlns:a16="http://schemas.microsoft.com/office/drawing/2014/main" id="{F5D03323-6E0D-458C-AEFB-2B48E6B503D5}"/>
+              </a:ext>
+            </a:extLst>
+          </p:cNvPr>
+          <p:cNvSpPr>
+            <a:spLocks noGrp="1"/>
+          </p:cNvSpPr>
+          <p:nvPr>
+            <p:ph type="title"/>
+          </p:nvPr>
+        </p:nvSpPr>
+        <p:spPr>
+          <a:xfrm>
+            <a:off x="677334" y="355362"/>
+            <a:ext cx="8596668" cy="544423"/>
+          </a:xfrm>
+        </p:spPr>
+        <p:txBody>
+          <a:bodyPr>
+            <a:normAutofit fontScale="90000"/>
+          </a:bodyPr>
+          <a:lstStyle/>
+          <a:p>
+            <a:r>
+              <a:rPr lang="en-US"/>
+              <a:t>Dark Experiences Replay</a:t>
+            </a:r>
+          </a:p>
+        </p:txBody>
+      </p:sp>
     </p:spTree>
     <p:extLst>
       <p:ext uri="{BB962C8B-B14F-4D97-AF65-F5344CB8AC3E}">
@@ -8405,6 +8426,154 @@
 </file>
 
 <file path=ppt/slides/slide14.xml><?xml version="1.0" encoding="utf-8"?>
+<p:sld xmlns:a="http://schemas.openxmlformats.org/drawingml/2006/main" xmlns:r="http://schemas.openxmlformats.org/officeDocument/2006/relationships" xmlns:p="http://schemas.openxmlformats.org/presentationml/2006/main">
+  <p:cSld>
+    <p:spTree>
+      <p:nvGrpSpPr>
+        <p:cNvPr id="1" name=""/>
+        <p:cNvGrpSpPr/>
+        <p:nvPr/>
+      </p:nvGrpSpPr>
+      <p:grpSpPr>
+        <a:xfrm>
+          <a:off x="0" y="0"/>
+          <a:ext cx="0" cy="0"/>
+          <a:chOff x="0" y="0"/>
+          <a:chExt cx="0" cy="0"/>
+        </a:xfrm>
+      </p:grpSpPr>
+      <p:sp>
+        <p:nvSpPr>
+          <p:cNvPr id="4" name="Title 1">
+            <a:extLst>
+              <a:ext uri="{FF2B5EF4-FFF2-40B4-BE49-F238E27FC236}">
+                <a16:creationId xmlns:a16="http://schemas.microsoft.com/office/drawing/2014/main" id="{CF48014D-7688-4F48-B6AB-C58B7C79B1E0}"/>
+              </a:ext>
+            </a:extLst>
+          </p:cNvPr>
+          <p:cNvSpPr>
+            <a:spLocks noGrp="1"/>
+          </p:cNvSpPr>
+          <p:nvPr>
+            <p:ph type="title"/>
+          </p:nvPr>
+        </p:nvSpPr>
+        <p:spPr>
+          <a:xfrm>
+            <a:off x="677334" y="355362"/>
+            <a:ext cx="8596668" cy="544423"/>
+          </a:xfrm>
+        </p:spPr>
+        <p:txBody>
+          <a:bodyPr>
+            <a:normAutofit fontScale="90000"/>
+          </a:bodyPr>
+          <a:lstStyle/>
+          <a:p>
+            <a:r>
+              <a:rPr lang="en-US"/>
+              <a:t>Dark Experiences Replay ++</a:t>
+            </a:r>
+          </a:p>
+        </p:txBody>
+      </p:sp>
+      <p:pic>
+        <p:nvPicPr>
+          <p:cNvPr id="6" name="Immagine 5">
+            <a:extLst>
+              <a:ext uri="{FF2B5EF4-FFF2-40B4-BE49-F238E27FC236}">
+                <a16:creationId xmlns:a16="http://schemas.microsoft.com/office/drawing/2014/main" id="{82B2FA1E-BAC1-465B-AC6D-34A6BB215AF5}"/>
+              </a:ext>
+            </a:extLst>
+          </p:cNvPr>
+          <p:cNvPicPr>
+            <a:picLocks noChangeAspect="1"/>
+          </p:cNvPicPr>
+          <p:nvPr/>
+        </p:nvPicPr>
+        <p:blipFill>
+          <a:blip r:embed="rId2">
+            <a:extLst>
+              <a:ext uri="{28A0092B-C50C-407E-A947-70E740481C1C}">
+                <a14:useLocalDpi xmlns:a14="http://schemas.microsoft.com/office/drawing/2010/main" val="0"/>
+              </a:ext>
+            </a:extLst>
+          </a:blip>
+          <a:stretch>
+            <a:fillRect/>
+          </a:stretch>
+        </p:blipFill>
+        <p:spPr>
+          <a:xfrm>
+            <a:off x="810647" y="3532917"/>
+            <a:ext cx="8977165" cy="617273"/>
+          </a:xfrm>
+          <a:prstGeom prst="rect">
+            <a:avLst/>
+          </a:prstGeom>
+        </p:spPr>
+      </p:pic>
+      <p:sp>
+        <p:nvSpPr>
+          <p:cNvPr id="8" name="CasellaDiTesto 7">
+            <a:extLst>
+              <a:ext uri="{FF2B5EF4-FFF2-40B4-BE49-F238E27FC236}">
+                <a16:creationId xmlns:a16="http://schemas.microsoft.com/office/drawing/2014/main" id="{DB1805A8-E019-42F9-B9C8-C5B01DDC46A0}"/>
+              </a:ext>
+            </a:extLst>
+          </p:cNvPr>
+          <p:cNvSpPr txBox="1"/>
+          <p:nvPr/>
+        </p:nvSpPr>
+        <p:spPr>
+          <a:xfrm>
+            <a:off x="677334" y="1420741"/>
+            <a:ext cx="8715281" cy="1477328"/>
+          </a:xfrm>
+          <a:prstGeom prst="rect">
+            <a:avLst/>
+          </a:prstGeom>
+          <a:noFill/>
+        </p:spPr>
+        <p:txBody>
+          <a:bodyPr wrap="square" rtlCol="0">
+            <a:spAutoFit/>
+          </a:bodyPr>
+          <a:lstStyle/>
+          <a:p>
+            <a:r>
+              <a:rPr lang="en-US"/>
+              <a:t>The reservoir strategy may weaken DER under some specific circumstances.</a:t>
+            </a:r>
+          </a:p>
+          <a:p>
+            <a:r>
+              <a:rPr lang="en-US"/>
+              <a:t>When a sudden distribution shift occurs in the input stream, logits that are highly biased by the training on previous tasks might be sampled for later replay: leveraging the ground truth labels as well could mitigate such a shortcoming. </a:t>
+            </a:r>
+          </a:p>
+          <a:p>
+            <a:r>
+              <a:rPr lang="en-US"/>
+              <a:t>We propose Dark Experience Replay++ with an additional term.</a:t>
+            </a:r>
+          </a:p>
+        </p:txBody>
+      </p:sp>
+    </p:spTree>
+    <p:extLst>
+      <p:ext uri="{BB962C8B-B14F-4D97-AF65-F5344CB8AC3E}">
+        <p14:creationId xmlns:p14="http://schemas.microsoft.com/office/powerpoint/2010/main" val="804883659"/>
+      </p:ext>
+    </p:extLst>
+  </p:cSld>
+  <p:clrMapOvr>
+    <a:masterClrMapping/>
+  </p:clrMapOvr>
+</p:sld>
+</file>
+
+<file path=ppt/slides/slide15.xml><?xml version="1.0" encoding="utf-8"?>
 <p:sld xmlns:a="http://schemas.openxmlformats.org/drawingml/2006/main" xmlns:r="http://schemas.openxmlformats.org/officeDocument/2006/relationships" xmlns:p="http://schemas.openxmlformats.org/presentationml/2006/main">
   <p:cSld>
     <p:bg>
@@ -9326,7 +9495,7 @@
 </p:sld>
 </file>
 
-<file path=ppt/slides/slide15.xml><?xml version="1.0" encoding="utf-8"?>
+<file path=ppt/slides/slide16.xml><?xml version="1.0" encoding="utf-8"?>
 <p:sld xmlns:a="http://schemas.openxmlformats.org/drawingml/2006/main" xmlns:r="http://schemas.openxmlformats.org/officeDocument/2006/relationships" xmlns:p="http://schemas.openxmlformats.org/presentationml/2006/main">
   <p:cSld>
     <p:spTree>
@@ -9476,7 +9645,7 @@
                 <a:ea typeface="+mn-lt"/>
                 <a:cs typeface="+mn-lt"/>
               </a:rPr>
-              <a:t>Although similar, the former provides task identities to select the relevant classifier for each example, whereas the latter does not</a:t>
+              <a:t>Although similar, the former provides task identities to select the relevant classifier for each example, whereas the latter does not.</a:t>
             </a:r>
             <a:endParaRPr lang="en-US" dirty="0"/>
           </a:p>
@@ -9489,14 +9658,14 @@
                 <a:ea typeface="+mn-lt"/>
                 <a:cs typeface="+mn-lt"/>
               </a:rPr>
-              <a:t>Task-IL and Class-IL are the easiest and hardest scenarios among the three. In practice,  </a:t>
+              <a:t>Task-IL and Class-IL are the easiest and hardest scenarios among the three. In practice, </a:t>
             </a:r>
             <a:r>
               <a:rPr lang="en-US" b="1" dirty="0">
                 <a:ea typeface="+mn-lt"/>
                 <a:cs typeface="+mn-lt"/>
               </a:rPr>
-              <a:t>CIFAR-10  and Tiny ImageNet are </a:t>
+              <a:t>CIFAR-10 and Tiny ImageNet are </a:t>
             </a:r>
             <a:r>
               <a:rPr lang="en-US" b="1" dirty="0" err="1">
@@ -9617,7 +9786,7 @@
 </p:sld>
 </file>
 
-<file path=ppt/slides/slide16.xml><?xml version="1.0" encoding="utf-8"?>
+<file path=ppt/slides/slide17.xml><?xml version="1.0" encoding="utf-8"?>
 <p:sld xmlns:a="http://schemas.openxmlformats.org/drawingml/2006/main" xmlns:r="http://schemas.openxmlformats.org/officeDocument/2006/relationships" xmlns:p="http://schemas.openxmlformats.org/presentationml/2006/main">
   <p:cSld>
     <p:spTree>
@@ -9692,17 +9861,17 @@
         <p:spPr>
           <a:xfrm>
             <a:off x="455661" y="913682"/>
-            <a:ext cx="8596668" cy="5986661"/>
+            <a:ext cx="8596668" cy="5883180"/>
           </a:xfrm>
         </p:spPr>
         <p:txBody>
           <a:bodyPr vert="horz" lIns="91440" tIns="45720" rIns="91440" bIns="45720" rtlCol="0" anchor="t">
-            <a:normAutofit/>
+            <a:normAutofit lnSpcReduction="10000"/>
           </a:bodyPr>
           <a:lstStyle/>
           <a:p>
             <a:r>
-              <a:rPr lang="en-US" sz="1600" b="1">
+              <a:rPr lang="en-US" sz="1600" b="1" dirty="0">
                 <a:ea typeface="+mn-lt"/>
                 <a:cs typeface="+mn-lt"/>
               </a:rPr>
@@ -9714,17 +9883,31 @@
               <a:buNone/>
             </a:pPr>
             <a:r>
-              <a:rPr lang="en-US" sz="1400">
+              <a:rPr lang="en-US" sz="1400" dirty="0">
                 <a:ea typeface="+mn-lt"/>
                 <a:cs typeface="+mn-lt"/>
               </a:rPr>
-              <a:t>For tests we conducted on variants of the MNIST dataset, is used a fully-connected network with two hidden layers, each one comprising of 100 ReLU units. For CIFAR-10 and Tiny ImageNet, is used ResNet18 [15] (not pre-trained).</a:t>
+              <a:t>For tests we conducted on variants of the MNIST dataset, is used a fully-connected network with two hidden layers, each one comprising of 100 </a:t>
+            </a:r>
+            <a:r>
+              <a:rPr lang="en-US" sz="1400" dirty="0" err="1">
+                <a:ea typeface="+mn-lt"/>
+                <a:cs typeface="+mn-lt"/>
+              </a:rPr>
+              <a:t>ReLU</a:t>
+            </a:r>
+            <a:r>
+              <a:rPr lang="en-US" sz="1400" dirty="0">
+                <a:ea typeface="+mn-lt"/>
+                <a:cs typeface="+mn-lt"/>
+              </a:rPr>
+              <a:t> units. For CIFAR-10 and Tiny ImageNet, is used ResNet18 (not pre-trained).</a:t>
             </a:r>
           </a:p>
           <a:p>
             <a:pPr marL="0"/>
             <a:r>
-              <a:rPr lang="en-US" sz="1600" b="1">
+              <a:rPr lang="en-US" sz="1600" b="1" dirty="0">
                 <a:ea typeface="+mn-lt"/>
                 <a:cs typeface="+mn-lt"/>
               </a:rPr>
@@ -9736,17 +9919,17 @@
               <a:buNone/>
             </a:pPr>
             <a:r>
-              <a:rPr lang="en-US" sz="1400">
+              <a:rPr lang="en-US" sz="1400" dirty="0">
                 <a:ea typeface="+mn-lt"/>
                 <a:cs typeface="+mn-lt"/>
               </a:rPr>
-              <a:t>For CIFAR-10 and Tiny ImageNet, we apply random crops and horizontal flips to both stream and buffer examples. Competitors use the same approace for fairness. It is worth noting that combining data augmentation with regularization objective enforces an implicit consistency loss, which aligns predictions for the same example subjected to small data transformations.</a:t>
+              <a:t>For CIFAR-10 and Tiny ImageNet, we apply random crops and horizontal flips to both stream and buffer examples. It is worth noting that combining data augmentation with regularization objective enforces an implicit consistency loss, which aligns predictions for the same example subjected to small data transformations.</a:t>
             </a:r>
           </a:p>
           <a:p>
             <a:pPr marL="0"/>
             <a:r>
-              <a:rPr lang="en-US" sz="1600" b="1">
+              <a:rPr lang="en-US" sz="1600" b="1" dirty="0">
                 <a:ea typeface="+mn-lt"/>
                 <a:cs typeface="+mn-lt"/>
               </a:rPr>
@@ -9758,36 +9941,36 @@
               <a:buNone/>
             </a:pPr>
             <a:r>
-              <a:rPr lang="en-US" sz="1400">
+              <a:rPr lang="en-US" sz="1400" dirty="0">
                 <a:ea typeface="+mn-lt"/>
                 <a:cs typeface="+mn-lt"/>
               </a:rPr>
-              <a:t>Hyperparameters are selected by performing a grid-search on a validation set, the latter obtained by sampling 10% of the training set. For the Domain-IL scenario, we make use of the final average accuracy as the selection criterion. Differently, we perform a combined grid-search for Class-IL and Task-IL, choosing the configuration that achieves the highest final accuracy averaged on the two settings</a:t>
+              <a:t>Hyperparameters are selected by performing a grid-search on a validation set, the latter obtained by sampling 10% of the training set. For the Domain-IL scenario, we make use of the final average accuracy as the selection criterion. Differently, we perform a combined grid-search for Class-IL and Task-IL, choosing the configuration that achieves the highest final accuracy averaged on the two settings.</a:t>
             </a:r>
           </a:p>
           <a:p>
             <a:pPr marL="0"/>
             <a:r>
-              <a:rPr lang="en-US" sz="1600" b="1">
+              <a:rPr lang="en-US" sz="1600" b="1" dirty="0">
                 <a:ea typeface="+mn-lt"/>
                 <a:cs typeface="+mn-lt"/>
               </a:rPr>
               <a:t>Training: </a:t>
             </a:r>
-            <a:endParaRPr lang="en-US" sz="1600" b="1"/>
+            <a:endParaRPr lang="en-US" sz="1600" b="1" dirty="0"/>
           </a:p>
           <a:p>
             <a:pPr marL="400050" lvl="1" indent="0">
               <a:buNone/>
             </a:pPr>
             <a:r>
-              <a:rPr lang="en-US" sz="1400">
+              <a:rPr lang="en-US" sz="1400" dirty="0">
                 <a:ea typeface="+mn-lt"/>
                 <a:cs typeface="+mn-lt"/>
               </a:rPr>
               <a:t>To provide a fair comparison among CL methods, all networks are trained using the Stochastic Gradient Descent (SGD) optimizer. Despite being interested in an online scenario, with no additional passages on the data,  it is then necessary to set the number of epochs per task in relation to the dataset complexity.</a:t>
             </a:r>
-            <a:endParaRPr lang="en-US">
+            <a:endParaRPr lang="en-US" dirty="0">
               <a:ea typeface="+mn-lt"/>
               <a:cs typeface="+mn-lt"/>
             </a:endParaRPr>
@@ -9797,13 +9980,13 @@
               <a:buNone/>
             </a:pPr>
             <a:r>
-              <a:rPr lang="en-US" sz="1400">
+              <a:rPr lang="en-US" sz="1400" dirty="0">
                 <a:ea typeface="+mn-lt"/>
                 <a:cs typeface="+mn-lt"/>
               </a:rPr>
-              <a:t>For MNIST-based settings, one epoch per task is sufficient. Conversely, for Sequential CIFAR-10 and Sequential Tiny ImageNet the number of epochs is increased  to 50 and 100 respectively.</a:t>
-            </a:r>
-            <a:endParaRPr lang="en-US">
+              <a:t>For MNIST-based settings, one epoch per task is sufficient. Conversely, for Sequential CIFAR-10 and Sequential Tiny ImageNet the number of epochs is increased to 50 and 100 respectively.</a:t>
+            </a:r>
+            <a:endParaRPr lang="en-US" dirty="0">
               <a:ea typeface="+mn-lt"/>
               <a:cs typeface="+mn-lt"/>
             </a:endParaRPr>
@@ -9812,7 +9995,7 @@
             <a:pPr marL="400050" lvl="1" indent="0">
               <a:buNone/>
             </a:pPr>
-            <a:endParaRPr lang="en-US"/>
+            <a:endParaRPr lang="en-US" dirty="0"/>
           </a:p>
         </p:txBody>
       </p:sp>
@@ -9829,7 +10012,7 @@
 </p:sld>
 </file>
 
-<file path=ppt/slides/slide17.xml><?xml version="1.0" encoding="utf-8"?>
+<file path=ppt/slides/slide18.xml><?xml version="1.0" encoding="utf-8"?>
 <p:sld xmlns:a="http://schemas.openxmlformats.org/drawingml/2006/main" xmlns:r="http://schemas.openxmlformats.org/officeDocument/2006/relationships" xmlns:p="http://schemas.openxmlformats.org/presentationml/2006/main">
   <p:cSld>
     <p:spTree>
@@ -9990,7 +10173,7 @@
 </p:sld>
 </file>
 
-<file path=ppt/slides/slide18.xml><?xml version="1.0" encoding="utf-8"?>
+<file path=ppt/slides/slide19.xml><?xml version="1.0" encoding="utf-8"?>
 <p:sld xmlns:a="http://schemas.openxmlformats.org/drawingml/2006/main" xmlns:r="http://schemas.openxmlformats.org/officeDocument/2006/relationships" xmlns:p="http://schemas.openxmlformats.org/presentationml/2006/main">
   <p:cSld>
     <p:spTree>
@@ -10198,7 +10381,187 @@
 </p:sld>
 </file>
 
-<file path=ppt/slides/slide19.xml><?xml version="1.0" encoding="utf-8"?>
+<file path=ppt/slides/slide2.xml><?xml version="1.0" encoding="utf-8"?>
+<p:sld xmlns:a="http://schemas.openxmlformats.org/drawingml/2006/main" xmlns:r="http://schemas.openxmlformats.org/officeDocument/2006/relationships" xmlns:p="http://schemas.openxmlformats.org/presentationml/2006/main">
+  <p:cSld>
+    <p:spTree>
+      <p:nvGrpSpPr>
+        <p:cNvPr id="1" name=""/>
+        <p:cNvGrpSpPr/>
+        <p:nvPr/>
+      </p:nvGrpSpPr>
+      <p:grpSpPr>
+        <a:xfrm>
+          <a:off x="0" y="0"/>
+          <a:ext cx="0" cy="0"/>
+          <a:chOff x="0" y="0"/>
+          <a:chExt cx="0" cy="0"/>
+        </a:xfrm>
+      </p:grpSpPr>
+      <p:sp>
+        <p:nvSpPr>
+          <p:cNvPr id="2" name="Title 1">
+            <a:extLst>
+              <a:ext uri="{FF2B5EF4-FFF2-40B4-BE49-F238E27FC236}">
+                <a16:creationId xmlns:a16="http://schemas.microsoft.com/office/drawing/2014/main" id="{86ABC8A8-072C-4294-924D-11409EE09381}"/>
+              </a:ext>
+            </a:extLst>
+          </p:cNvPr>
+          <p:cNvSpPr>
+            <a:spLocks noGrp="1"/>
+          </p:cNvSpPr>
+          <p:nvPr>
+            <p:ph type="title"/>
+          </p:nvPr>
+        </p:nvSpPr>
+        <p:spPr/>
+        <p:txBody>
+          <a:bodyPr/>
+          <a:lstStyle/>
+          <a:p>
+            <a:r>
+              <a:rPr lang="en-US">
+                <a:cs typeface="Calibri Light"/>
+              </a:rPr>
+              <a:t>Continual Learning problem</a:t>
+            </a:r>
+            <a:endParaRPr lang="en-US"/>
+          </a:p>
+        </p:txBody>
+      </p:sp>
+      <p:sp>
+        <p:nvSpPr>
+          <p:cNvPr id="3" name="Content Placeholder 2">
+            <a:extLst>
+              <a:ext uri="{FF2B5EF4-FFF2-40B4-BE49-F238E27FC236}">
+                <a16:creationId xmlns:a16="http://schemas.microsoft.com/office/drawing/2014/main" id="{3B79E7A3-075E-48AE-9424-CD339E692E73}"/>
+              </a:ext>
+            </a:extLst>
+          </p:cNvPr>
+          <p:cNvSpPr>
+            <a:spLocks noGrp="1"/>
+          </p:cNvSpPr>
+          <p:nvPr>
+            <p:ph idx="1"/>
+          </p:nvPr>
+        </p:nvSpPr>
+        <p:spPr>
+          <a:xfrm>
+            <a:off x="677334" y="1961026"/>
+            <a:ext cx="8596668" cy="3603683"/>
+          </a:xfrm>
+        </p:spPr>
+        <p:txBody>
+          <a:bodyPr vert="horz" lIns="91440" tIns="45720" rIns="91440" bIns="45720" rtlCol="0" anchor="t">
+            <a:normAutofit/>
+          </a:bodyPr>
+          <a:lstStyle/>
+          <a:p>
+            <a:pPr>
+              <a:spcBef>
+                <a:spcPts val="1200"/>
+              </a:spcBef>
+            </a:pPr>
+            <a:r>
+              <a:rPr lang="en-US">
+                <a:solidFill>
+                  <a:schemeClr val="tx1"/>
+                </a:solidFill>
+                <a:ea typeface="+mn-lt"/>
+                <a:cs typeface="+mn-lt"/>
+              </a:rPr>
+              <a:t>Continual Learning, also known as Lifelong learning, is built on the idea of learning continuously about the external world in order to enable the autonomous, incremental development of ever more complex skills and knowledge.</a:t>
+            </a:r>
+            <a:endParaRPr lang="en-US">
+              <a:solidFill>
+                <a:schemeClr val="tx1"/>
+              </a:solidFill>
+              <a:cs typeface="Calibri" panose="020F0502020204030204"/>
+            </a:endParaRPr>
+          </a:p>
+          <a:p>
+            <a:pPr>
+              <a:spcBef>
+                <a:spcPts val="1200"/>
+              </a:spcBef>
+            </a:pPr>
+            <a:endParaRPr lang="en-US">
+              <a:solidFill>
+                <a:schemeClr val="tx1"/>
+              </a:solidFill>
+              <a:ea typeface="+mn-lt"/>
+              <a:cs typeface="+mn-lt"/>
+            </a:endParaRPr>
+          </a:p>
+          <a:p>
+            <a:pPr>
+              <a:spcBef>
+                <a:spcPts val="1200"/>
+              </a:spcBef>
+            </a:pPr>
+            <a:r>
+              <a:rPr lang="en-US">
+                <a:solidFill>
+                  <a:schemeClr val="tx1"/>
+                </a:solidFill>
+                <a:ea typeface="+mn-lt"/>
+                <a:cs typeface="+mn-lt"/>
+              </a:rPr>
+              <a:t>A Continual learning system can be defined as </a:t>
+            </a:r>
+            <a:r>
+              <a:rPr lang="en-US" i="1">
+                <a:solidFill>
+                  <a:schemeClr val="tx1"/>
+                </a:solidFill>
+                <a:ea typeface="+mn-lt"/>
+                <a:cs typeface="+mn-lt"/>
+              </a:rPr>
+              <a:t>an adaptive algorithm capable of learning from a continuous stream of information, with such information becoming progressively available over time and where the number of tasks to be learned (e.g. membership classes in a classification task) are not predefined. Critically, the accommodation of new information should occur without catastrophic forgetting or interference.</a:t>
+            </a:r>
+            <a:endParaRPr lang="en-US" i="1">
+              <a:solidFill>
+                <a:schemeClr val="tx1"/>
+              </a:solidFill>
+            </a:endParaRPr>
+          </a:p>
+          <a:p>
+            <a:pPr>
+              <a:spcBef>
+                <a:spcPts val="1200"/>
+              </a:spcBef>
+            </a:pPr>
+            <a:endParaRPr lang="en-US" sz="1400" i="1">
+              <a:solidFill>
+                <a:schemeClr val="tx1"/>
+              </a:solidFill>
+              <a:cs typeface="Calibri"/>
+            </a:endParaRPr>
+          </a:p>
+          <a:p>
+            <a:endParaRPr lang="en-US">
+              <a:solidFill>
+                <a:srgbClr val="404040"/>
+              </a:solidFill>
+              <a:cs typeface="Calibri"/>
+            </a:endParaRPr>
+          </a:p>
+        </p:txBody>
+      </p:sp>
+    </p:spTree>
+    <p:extLst>
+      <p:ext uri="{BB962C8B-B14F-4D97-AF65-F5344CB8AC3E}">
+        <p14:creationId xmlns:p14="http://schemas.microsoft.com/office/powerpoint/2010/main" val="3902043064"/>
+      </p:ext>
+    </p:extLst>
+  </p:cSld>
+  <p:clrMapOvr>
+    <a:masterClrMapping/>
+  </p:clrMapOvr>
+</p:sld>
+</file>
+
+<file path=ppt/slides/slide20.xml><?xml version="1.0" encoding="utf-8"?>
 <p:sld xmlns:a="http://schemas.openxmlformats.org/drawingml/2006/main" xmlns:r="http://schemas.openxmlformats.org/officeDocument/2006/relationships" xmlns:p="http://schemas.openxmlformats.org/presentationml/2006/main">
   <p:cSld>
     <p:bg>
@@ -12375,27 +12738,27 @@
           <a:lstStyle/>
           <a:p>
             <a:r>
-              <a:rPr lang="en-US" sz="1600"/>
+              <a:rPr lang="en-US" sz="1600" dirty="0"/>
               <a:t>Here is showed the confidence interval for</a:t>
             </a:r>
             <a:br>
-              <a:rPr lang="en-US" sz="1600"/>
+              <a:rPr lang="en-US" sz="1600" dirty="0"/>
             </a:br>
             <a:r>
-              <a:rPr lang="en-US" sz="1600"/>
+              <a:rPr lang="en-US" sz="1600" dirty="0"/>
               <a:t>each dataset and setting, using DER and</a:t>
             </a:r>
             <a:br>
-              <a:rPr lang="en-US" sz="1600"/>
+              <a:rPr lang="en-US" sz="1600" dirty="0"/>
             </a:br>
             <a:r>
-              <a:rPr lang="en-US" sz="1600"/>
+              <a:rPr lang="en-US" sz="1600" dirty="0"/>
               <a:t>DER ++, using the following parameters:</a:t>
             </a:r>
             <a:br>
-              <a:rPr lang="en-US" sz="1600"/>
+              <a:rPr lang="en-US" sz="1600" dirty="0"/>
             </a:br>
-            <a:endParaRPr lang="en-US" sz="1600"/>
+            <a:endParaRPr lang="en-US" sz="1600" dirty="0"/>
           </a:p>
           <a:p>
             <a:pPr marL="285750" indent="-285750">
@@ -12403,7 +12766,7 @@
               <a:buChar char="•"/>
             </a:pPr>
             <a:r>
-              <a:rPr lang="en-US" sz="1600"/>
+              <a:rPr lang="en-US" sz="1600" dirty="0"/>
               <a:t>confidence interval: 95% -&gt; 1.960</a:t>
             </a:r>
           </a:p>
@@ -12413,33 +12776,33 @@
               <a:buChar char="•"/>
             </a:pPr>
             <a:r>
-              <a:rPr lang="en-US" sz="1600"/>
+              <a:rPr lang="en-US" sz="1600" dirty="0"/>
               <a:t>Number of runs: 10</a:t>
             </a:r>
             <a:br>
-              <a:rPr lang="en-US" sz="1600"/>
+              <a:rPr lang="en-US" sz="1600" dirty="0"/>
             </a:br>
-            <a:endParaRPr lang="en-US" sz="1600"/>
-          </a:p>
-          <a:p>
-            <a:r>
-              <a:rPr lang="en-US" sz="1600"/>
+            <a:endParaRPr lang="en-US" sz="1600" dirty="0"/>
+          </a:p>
+          <a:p>
+            <a:r>
+              <a:rPr lang="en-US" sz="1600" dirty="0"/>
               <a:t>Furthermore, test on seq-Cifer10 and seq-</a:t>
             </a:r>
             <a:r>
-              <a:rPr lang="en-US" sz="1600" err="1"/>
+              <a:rPr lang="en-US" sz="1600" dirty="0" err="1"/>
               <a:t>Tinyimagenet</a:t>
             </a:r>
             <a:r>
-              <a:rPr lang="en-US" sz="1600"/>
+              <a:rPr lang="en-US" sz="1600" dirty="0"/>
               <a:t> were substituted with seq-MNIST as it is computationally </a:t>
             </a:r>
             <a:r>
-              <a:rPr lang="en-US" sz="1600" err="1"/>
+              <a:rPr lang="en-US" sz="1600" dirty="0" err="1"/>
               <a:t>feaseable</a:t>
             </a:r>
             <a:r>
-              <a:rPr lang="en-US" sz="1600"/>
+              <a:rPr lang="en-US" sz="1600" dirty="0"/>
               <a:t>. </a:t>
             </a:r>
           </a:p>
@@ -12474,7 +12837,7 @@
           <a:lstStyle/>
           <a:p>
             <a:r>
-              <a:rPr lang="en-US" sz="2800" dirty="0"/>
+              <a:rPr lang="en-US" sz="2800"/>
               <a:t>Accuracy measurements on Datasets using DER/DER++</a:t>
             </a:r>
           </a:p>
@@ -12493,187 +12856,7 @@
 </p:sld>
 </file>
 
-<file path=ppt/slides/slide2.xml><?xml version="1.0" encoding="utf-8"?>
-<p:sld xmlns:a="http://schemas.openxmlformats.org/drawingml/2006/main" xmlns:r="http://schemas.openxmlformats.org/officeDocument/2006/relationships" xmlns:p="http://schemas.openxmlformats.org/presentationml/2006/main">
-  <p:cSld>
-    <p:spTree>
-      <p:nvGrpSpPr>
-        <p:cNvPr id="1" name=""/>
-        <p:cNvGrpSpPr/>
-        <p:nvPr/>
-      </p:nvGrpSpPr>
-      <p:grpSpPr>
-        <a:xfrm>
-          <a:off x="0" y="0"/>
-          <a:ext cx="0" cy="0"/>
-          <a:chOff x="0" y="0"/>
-          <a:chExt cx="0" cy="0"/>
-        </a:xfrm>
-      </p:grpSpPr>
-      <p:sp>
-        <p:nvSpPr>
-          <p:cNvPr id="2" name="Title 1">
-            <a:extLst>
-              <a:ext uri="{FF2B5EF4-FFF2-40B4-BE49-F238E27FC236}">
-                <a16:creationId xmlns:a16="http://schemas.microsoft.com/office/drawing/2014/main" id="{86ABC8A8-072C-4294-924D-11409EE09381}"/>
-              </a:ext>
-            </a:extLst>
-          </p:cNvPr>
-          <p:cNvSpPr>
-            <a:spLocks noGrp="1"/>
-          </p:cNvSpPr>
-          <p:nvPr>
-            <p:ph type="title"/>
-          </p:nvPr>
-        </p:nvSpPr>
-        <p:spPr/>
-        <p:txBody>
-          <a:bodyPr/>
-          <a:lstStyle/>
-          <a:p>
-            <a:r>
-              <a:rPr lang="en-US">
-                <a:cs typeface="Calibri Light"/>
-              </a:rPr>
-              <a:t>Continual Learning problem</a:t>
-            </a:r>
-            <a:endParaRPr lang="en-US"/>
-          </a:p>
-        </p:txBody>
-      </p:sp>
-      <p:sp>
-        <p:nvSpPr>
-          <p:cNvPr id="3" name="Content Placeholder 2">
-            <a:extLst>
-              <a:ext uri="{FF2B5EF4-FFF2-40B4-BE49-F238E27FC236}">
-                <a16:creationId xmlns:a16="http://schemas.microsoft.com/office/drawing/2014/main" id="{3B79E7A3-075E-48AE-9424-CD339E692E73}"/>
-              </a:ext>
-            </a:extLst>
-          </p:cNvPr>
-          <p:cNvSpPr>
-            <a:spLocks noGrp="1"/>
-          </p:cNvSpPr>
-          <p:nvPr>
-            <p:ph idx="1"/>
-          </p:nvPr>
-        </p:nvSpPr>
-        <p:spPr>
-          <a:xfrm>
-            <a:off x="677334" y="1961026"/>
-            <a:ext cx="8596668" cy="3603683"/>
-          </a:xfrm>
-        </p:spPr>
-        <p:txBody>
-          <a:bodyPr vert="horz" lIns="91440" tIns="45720" rIns="91440" bIns="45720" rtlCol="0" anchor="t">
-            <a:normAutofit/>
-          </a:bodyPr>
-          <a:lstStyle/>
-          <a:p>
-            <a:pPr>
-              <a:spcBef>
-                <a:spcPts val="1200"/>
-              </a:spcBef>
-            </a:pPr>
-            <a:r>
-              <a:rPr lang="en-US" dirty="0">
-                <a:solidFill>
-                  <a:schemeClr val="tx1"/>
-                </a:solidFill>
-                <a:ea typeface="+mn-lt"/>
-                <a:cs typeface="+mn-lt"/>
-              </a:rPr>
-              <a:t>Continual Learning, also known as Lifelong learning, is built on the idea of learning continuously about the external world in order to enable the autonomous, incremental development of ever more complex skills and knowledge.</a:t>
-            </a:r>
-            <a:endParaRPr lang="en-US" dirty="0">
-              <a:solidFill>
-                <a:schemeClr val="tx1"/>
-              </a:solidFill>
-              <a:cs typeface="Calibri" panose="020F0502020204030204"/>
-            </a:endParaRPr>
-          </a:p>
-          <a:p>
-            <a:pPr>
-              <a:spcBef>
-                <a:spcPts val="1200"/>
-              </a:spcBef>
-            </a:pPr>
-            <a:endParaRPr lang="en-US" dirty="0">
-              <a:solidFill>
-                <a:schemeClr val="tx1"/>
-              </a:solidFill>
-              <a:ea typeface="+mn-lt"/>
-              <a:cs typeface="+mn-lt"/>
-            </a:endParaRPr>
-          </a:p>
-          <a:p>
-            <a:pPr>
-              <a:spcBef>
-                <a:spcPts val="1200"/>
-              </a:spcBef>
-            </a:pPr>
-            <a:r>
-              <a:rPr lang="en-US" dirty="0">
-                <a:solidFill>
-                  <a:schemeClr val="tx1"/>
-                </a:solidFill>
-                <a:ea typeface="+mn-lt"/>
-                <a:cs typeface="+mn-lt"/>
-              </a:rPr>
-              <a:t>A Continual learning system can be defined as </a:t>
-            </a:r>
-            <a:r>
-              <a:rPr lang="en-US" i="1" dirty="0">
-                <a:solidFill>
-                  <a:schemeClr val="tx1"/>
-                </a:solidFill>
-                <a:ea typeface="+mn-lt"/>
-                <a:cs typeface="+mn-lt"/>
-              </a:rPr>
-              <a:t>an adaptive algorithm capable of learning from a continuous stream of information, with such information becoming progressively available over time and where the number of tasks to be learned (e.g. membership classes in a classification task) are not predefined. Critically, the accommodation of new information should occur without catastrophic forgetting or interference.</a:t>
-            </a:r>
-            <a:endParaRPr lang="en-US" i="1" dirty="0">
-              <a:solidFill>
-                <a:schemeClr val="tx1"/>
-              </a:solidFill>
-            </a:endParaRPr>
-          </a:p>
-          <a:p>
-            <a:pPr>
-              <a:spcBef>
-                <a:spcPts val="1200"/>
-              </a:spcBef>
-            </a:pPr>
-            <a:endParaRPr lang="en-US" sz="1400" i="1" dirty="0">
-              <a:solidFill>
-                <a:schemeClr val="tx1"/>
-              </a:solidFill>
-              <a:cs typeface="Calibri"/>
-            </a:endParaRPr>
-          </a:p>
-          <a:p>
-            <a:endParaRPr lang="en-US" dirty="0">
-              <a:solidFill>
-                <a:srgbClr val="404040"/>
-              </a:solidFill>
-              <a:cs typeface="Calibri"/>
-            </a:endParaRPr>
-          </a:p>
-        </p:txBody>
-      </p:sp>
-    </p:spTree>
-    <p:extLst>
-      <p:ext uri="{BB962C8B-B14F-4D97-AF65-F5344CB8AC3E}">
-        <p14:creationId xmlns:p14="http://schemas.microsoft.com/office/powerpoint/2010/main" val="3902043064"/>
-      </p:ext>
-    </p:extLst>
-  </p:cSld>
-  <p:clrMapOvr>
-    <a:masterClrMapping/>
-  </p:clrMapOvr>
-</p:sld>
-</file>
-
-<file path=ppt/slides/slide20.xml><?xml version="1.0" encoding="utf-8"?>
+<file path=ppt/slides/slide21.xml><?xml version="1.0" encoding="utf-8"?>
 <p:sld xmlns:a="http://schemas.openxmlformats.org/drawingml/2006/main" xmlns:r="http://schemas.openxmlformats.org/officeDocument/2006/relationships" xmlns:p="http://schemas.openxmlformats.org/presentationml/2006/main">
   <p:cSld>
     <p:spTree>
@@ -12741,14 +12924,14 @@
             <p:ph idx="1"/>
             <p:extLst>
               <p:ext uri="{D42A27DB-BD31-4B8C-83A1-F6EECF244321}">
-                <p14:modId xmlns:p14="http://schemas.microsoft.com/office/powerpoint/2010/main" val="4137374952"/>
+                <p14:modId xmlns:p14="http://schemas.microsoft.com/office/powerpoint/2010/main" val="277476527"/>
               </p:ext>
             </p:extLst>
           </p:nvPr>
         </p:nvGraphicFramePr>
         <p:xfrm>
-          <a:off x="677332" y="4322743"/>
-          <a:ext cx="8671940" cy="1737360"/>
+          <a:off x="630295" y="4322743"/>
+          <a:ext cx="8671935" cy="1595706"/>
         </p:xfrm>
         <a:graphic>
           <a:graphicData uri="http://schemas.openxmlformats.org/drawingml/2006/table">
@@ -12757,35 +12940,35 @@
                 <a:tableStyleId>{5C22544A-7EE6-4342-B048-85BDC9FD1C3A}</a:tableStyleId>
               </a:tblPr>
               <a:tblGrid>
-                <a:gridCol w="749458">
+                <a:gridCol w="858425">
                   <a:extLst>
                     <a:ext uri="{9D8B030D-6E8A-4147-A177-3AD203B41FA5}">
                       <a16:colId xmlns:a16="http://schemas.microsoft.com/office/drawing/2014/main" val="2089425434"/>
                     </a:ext>
                   </a:extLst>
                 </a:gridCol>
-                <a:gridCol w="1991521">
+                <a:gridCol w="1799166">
                   <a:extLst>
                     <a:ext uri="{9D8B030D-6E8A-4147-A177-3AD203B41FA5}">
                       <a16:colId xmlns:a16="http://schemas.microsoft.com/office/drawing/2014/main" val="1861740989"/>
                     </a:ext>
                   </a:extLst>
                 </a:gridCol>
-                <a:gridCol w="1825493">
+                <a:gridCol w="1908878">
                   <a:extLst>
                     <a:ext uri="{9D8B030D-6E8A-4147-A177-3AD203B41FA5}">
                       <a16:colId xmlns:a16="http://schemas.microsoft.com/office/drawing/2014/main" val="1122266817"/>
                     </a:ext>
                   </a:extLst>
                 </a:gridCol>
-                <a:gridCol w="1912776">
+                <a:gridCol w="1912775">
                   <a:extLst>
                     <a:ext uri="{9D8B030D-6E8A-4147-A177-3AD203B41FA5}">
                       <a16:colId xmlns:a16="http://schemas.microsoft.com/office/drawing/2014/main" val="326501779"/>
                     </a:ext>
                   </a:extLst>
                 </a:gridCol>
-                <a:gridCol w="2192692">
+                <a:gridCol w="2192691">
                   <a:extLst>
                     <a:ext uri="{9D8B030D-6E8A-4147-A177-3AD203B41FA5}">
                       <a16:colId xmlns:a16="http://schemas.microsoft.com/office/drawing/2014/main" val="2199360023"/>
@@ -13309,7 +13492,7 @@
           <a:lstStyle/>
           <a:p>
             <a:r>
-              <a:rPr lang="en-US">
+              <a:rPr lang="en-US" dirty="0">
                 <a:ea typeface="+mn-lt"/>
                 <a:cs typeface="+mn-lt"/>
               </a:rPr>
@@ -13318,7 +13501,7 @@
           </a:p>
           <a:p>
             <a:r>
-              <a:rPr lang="en-US">
+              <a:rPr lang="en-US" dirty="0">
                 <a:ea typeface="+mn-lt"/>
                 <a:cs typeface="+mn-lt"/>
               </a:rPr>
@@ -13327,7 +13510,7 @@
           </a:p>
           <a:p>
             <a:r>
-              <a:rPr lang="en-US">
+              <a:rPr lang="en-US" dirty="0">
                 <a:ea typeface="+mn-lt"/>
                 <a:cs typeface="+mn-lt"/>
               </a:rPr>
@@ -13336,13 +13519,13 @@
           </a:p>
           <a:p>
             <a:r>
-              <a:rPr lang="en-US">
+              <a:rPr lang="en-US" dirty="0">
                 <a:ea typeface="+mn-lt"/>
                 <a:cs typeface="+mn-lt"/>
               </a:rPr>
               <a:t>• constant memory: have a bounded memory footprint throughout the entire training phase.</a:t>
             </a:r>
-            <a:endParaRPr lang="en-US"/>
+            <a:endParaRPr lang="en-US" dirty="0"/>
           </a:p>
         </p:txBody>
       </p:sp>
@@ -13359,7 +13542,7 @@
 </p:sld>
 </file>
 
-<file path=ppt/slides/slide21.xml><?xml version="1.0" encoding="utf-8"?>
+<file path=ppt/slides/slide22.xml><?xml version="1.0" encoding="utf-8"?>
 <p:sld xmlns:a="http://schemas.openxmlformats.org/drawingml/2006/main" xmlns:r="http://schemas.openxmlformats.org/officeDocument/2006/relationships" xmlns:p="http://schemas.openxmlformats.org/presentationml/2006/main">
   <p:cSld>
     <p:spTree>
@@ -13427,14 +13610,14 @@
             <p:ph idx="1"/>
             <p:extLst>
               <p:ext uri="{D42A27DB-BD31-4B8C-83A1-F6EECF244321}">
-                <p14:modId xmlns:p14="http://schemas.microsoft.com/office/powerpoint/2010/main" val="1538985863"/>
+                <p14:modId xmlns:p14="http://schemas.microsoft.com/office/powerpoint/2010/main" val="3461719299"/>
               </p:ext>
             </p:extLst>
           </p:nvPr>
         </p:nvGraphicFramePr>
         <p:xfrm>
           <a:off x="677333" y="1702566"/>
-          <a:ext cx="8950865" cy="2572422"/>
+          <a:ext cx="8950861" cy="2572422"/>
         </p:xfrm>
         <a:graphic>
           <a:graphicData uri="http://schemas.openxmlformats.org/drawingml/2006/table">
@@ -13443,35 +13626,35 @@
                 <a:tableStyleId>{5C22544A-7EE6-4342-B048-85BDC9FD1C3A}</a:tableStyleId>
               </a:tblPr>
               <a:tblGrid>
-                <a:gridCol w="1790173">
+                <a:gridCol w="1790172">
                   <a:extLst>
                     <a:ext uri="{9D8B030D-6E8A-4147-A177-3AD203B41FA5}">
                       <a16:colId xmlns:a16="http://schemas.microsoft.com/office/drawing/2014/main" val="2362371543"/>
                     </a:ext>
                   </a:extLst>
                 </a:gridCol>
-                <a:gridCol w="1790173">
+                <a:gridCol w="1790172">
                   <a:extLst>
                     <a:ext uri="{9D8B030D-6E8A-4147-A177-3AD203B41FA5}">
                       <a16:colId xmlns:a16="http://schemas.microsoft.com/office/drawing/2014/main" val="4009152967"/>
                     </a:ext>
                   </a:extLst>
                 </a:gridCol>
-                <a:gridCol w="1790173">
+                <a:gridCol w="1763888">
                   <a:extLst>
                     <a:ext uri="{9D8B030D-6E8A-4147-A177-3AD203B41FA5}">
                       <a16:colId xmlns:a16="http://schemas.microsoft.com/office/drawing/2014/main" val="1851158786"/>
                     </a:ext>
                   </a:extLst>
                 </a:gridCol>
-                <a:gridCol w="1790173">
+                <a:gridCol w="1816457">
                   <a:extLst>
                     <a:ext uri="{9D8B030D-6E8A-4147-A177-3AD203B41FA5}">
                       <a16:colId xmlns:a16="http://schemas.microsoft.com/office/drawing/2014/main" val="1612786643"/>
                     </a:ext>
                   </a:extLst>
                 </a:gridCol>
-                <a:gridCol w="1790173">
+                <a:gridCol w="1790172">
                   <a:extLst>
                     <a:ext uri="{9D8B030D-6E8A-4147-A177-3AD203B41FA5}">
                       <a16:colId xmlns:a16="http://schemas.microsoft.com/office/drawing/2014/main" val="577881609"/>
@@ -13499,7 +13682,7 @@
                         <a:buNone/>
                       </a:pPr>
                       <a:r>
-                        <a:rPr lang="en-US" dirty="0"/>
+                        <a:rPr lang="en-US"/>
                         <a:t>LR = 0.001</a:t>
                       </a:r>
                     </a:p>
@@ -13508,7 +13691,7 @@
                         <a:buNone/>
                       </a:pPr>
                       <a:r>
-                        <a:rPr lang="en-US" dirty="0"/>
+                        <a:rPr lang="en-US"/>
                         <a:t>Batch size = 10</a:t>
                       </a:r>
                     </a:p>
@@ -13517,7 +13700,7 @@
                         <a:buNone/>
                       </a:pPr>
                       <a:r>
-                        <a:rPr lang="en-US" dirty="0"/>
+                        <a:rPr lang="en-US"/>
                         <a:t>N epochs = 1</a:t>
                       </a:r>
                     </a:p>
@@ -13526,20 +13709,20 @@
                         <a:buNone/>
                       </a:pPr>
                       <a:r>
-                        <a:rPr lang="en-US" dirty="0"/>
+                        <a:rPr lang="en-US"/>
                         <a:t>Minibatch size = 128</a:t>
                       </a:r>
-                      <a:endParaRPr lang="en-US" baseline="0" dirty="0"/>
+                      <a:endParaRPr lang="en-US" baseline="0"/>
                     </a:p>
                     <a:p>
                       <a:pPr lvl="0">
                         <a:buNone/>
                       </a:pPr>
                       <a:r>
-                        <a:rPr lang="en-US" baseline="0" dirty="0"/>
+                        <a:rPr lang="en-US" baseline="0"/>
                         <a:t>Alpha = 1</a:t>
                       </a:r>
-                      <a:endParaRPr lang="en-US" dirty="0"/>
+                      <a:endParaRPr lang="en-US"/>
                     </a:p>
                   </a:txBody>
                   <a:tcPr/>
@@ -13578,7 +13761,7 @@
                         <a:buNone/>
                       </a:pPr>
                       <a:r>
-                        <a:rPr lang="en-US" dirty="0"/>
+                        <a:rPr lang="en-US"/>
                         <a:t>LR = 0.001</a:t>
                       </a:r>
                     </a:p>
@@ -13587,7 +13770,7 @@
                         <a:buNone/>
                       </a:pPr>
                       <a:r>
-                        <a:rPr lang="en-US" dirty="0"/>
+                        <a:rPr lang="en-US"/>
                         <a:t>Batch size = 8</a:t>
                       </a:r>
                     </a:p>
@@ -13596,7 +13779,7 @@
                         <a:buNone/>
                       </a:pPr>
                       <a:r>
-                        <a:rPr lang="en-US" dirty="0"/>
+                        <a:rPr lang="en-US"/>
                         <a:t>N epochs = 10</a:t>
                       </a:r>
                     </a:p>
@@ -13605,20 +13788,20 @@
                         <a:buNone/>
                       </a:pPr>
                       <a:r>
-                        <a:rPr lang="en-US" dirty="0"/>
+                        <a:rPr lang="en-US"/>
                         <a:t>Minibatch size = 8</a:t>
                       </a:r>
-                      <a:endParaRPr lang="en-US" baseline="0" dirty="0"/>
+                      <a:endParaRPr lang="en-US" baseline="0"/>
                     </a:p>
                     <a:p>
                       <a:pPr lvl="0">
                         <a:buNone/>
                       </a:pPr>
                       <a:r>
-                        <a:rPr lang="en-US" baseline="0" dirty="0"/>
+                        <a:rPr lang="en-US" baseline="0"/>
                         <a:t>Alpha = 1</a:t>
                       </a:r>
-                      <a:endParaRPr lang="en-US" dirty="0"/>
+                      <a:endParaRPr lang="en-US"/>
                     </a:p>
                   </a:txBody>
                   <a:tcPr/>
@@ -13910,7 +14093,7 @@
                     <a:lstStyle/>
                     <a:p>
                       <a:r>
-                        <a:rPr lang="en-US" dirty="0"/>
+                        <a:rPr lang="en-US"/>
                         <a:t>98.58 +/- 0.05</a:t>
                       </a:r>
                     </a:p>
@@ -14074,14 +14257,14 @@
           <a:lstStyle/>
           <a:p>
             <a:r>
-              <a:rPr lang="en-US" sz="2000" dirty="0">
+              <a:rPr lang="en-US" sz="2000">
                 <a:latin typeface="Trebuchet MS"/>
                 <a:cs typeface="Calibri"/>
               </a:rPr>
               <a:t>Each task is a layer specific, e.g. for classification, </a:t>
             </a:r>
             <a:r>
-              <a:rPr lang="en-US" sz="2000" dirty="0">
+              <a:rPr lang="en-US" sz="2000">
                 <a:latin typeface="Trebuchet MS"/>
                 <a:ea typeface="+mn-lt"/>
                 <a:cs typeface="+mn-lt"/>
@@ -14089,7 +14272,7 @@
               <a:t>from which </a:t>
             </a:r>
             <a:r>
-              <a:rPr lang="en-US" sz="2000" dirty="0">
+              <a:rPr lang="en-US" sz="2000">
                 <a:latin typeface="Trebuchet MS"/>
                 <a:cs typeface="Calibri"/>
               </a:rPr>
@@ -14098,7 +14281,7 @@
           </a:p>
           <a:p>
             <a:r>
-              <a:rPr lang="en-US" sz="2000" dirty="0">
+              <a:rPr lang="en-US" sz="2000">
                 <a:latin typeface="Trebuchet MS"/>
                 <a:cs typeface="Calibri"/>
               </a:rPr>
@@ -14234,7 +14417,7 @@
               <a:buAutoNum type="arabicPeriod"/>
             </a:pPr>
             <a:r>
-              <a:rPr lang="en-US" sz="2000" b="1" dirty="0"/>
+              <a:rPr lang="en-US" sz="2000" b="1"/>
               <a:t>Avoid forgetting</a:t>
             </a:r>
           </a:p>
@@ -14244,7 +14427,7 @@
               <a:buChar char="•"/>
             </a:pPr>
             <a:r>
-              <a:rPr lang="en-US" dirty="0"/>
+              <a:rPr lang="en-US"/>
               <a:t>Performance over previous tasks should not decrease</a:t>
             </a:r>
           </a:p>
@@ -14253,7 +14436,7 @@
               <a:buFont typeface="Arial" panose="020B0604020202020204" pitchFamily="34" charset="0"/>
               <a:buChar char="•"/>
             </a:pPr>
-            <a:endParaRPr lang="en-US" dirty="0"/>
+            <a:endParaRPr lang="en-US"/>
           </a:p>
           <a:p>
             <a:pPr marL="342900" indent="-342900">
@@ -14261,7 +14444,7 @@
               <a:buAutoNum type="arabicPeriod"/>
             </a:pPr>
             <a:r>
-              <a:rPr lang="en-US" sz="2000" b="1" dirty="0"/>
+              <a:rPr lang="en-US" sz="2000" b="1"/>
               <a:t>Fixed memory and compute</a:t>
             </a:r>
           </a:p>
@@ -14271,7 +14454,7 @@
               <a:buChar char="•"/>
             </a:pPr>
             <a:r>
-              <a:rPr lang="en-US" dirty="0"/>
+              <a:rPr lang="en-US"/>
               <a:t>If not possible, grow sub-linearly with tasks</a:t>
             </a:r>
           </a:p>
@@ -14280,7 +14463,7 @@
               <a:buFont typeface="Arial" panose="020B0604020202020204" pitchFamily="34" charset="0"/>
               <a:buChar char="•"/>
             </a:pPr>
-            <a:endParaRPr lang="en-US" dirty="0"/>
+            <a:endParaRPr lang="en-US"/>
           </a:p>
           <a:p>
             <a:pPr marL="342900" indent="-342900">
@@ -14288,7 +14471,7 @@
               <a:buAutoNum type="arabicPeriod"/>
             </a:pPr>
             <a:r>
-              <a:rPr lang="en-US" sz="2000" b="1" dirty="0"/>
+              <a:rPr lang="en-US" sz="2000" b="1"/>
               <a:t>Enable forward transfer</a:t>
             </a:r>
           </a:p>
@@ -14298,7 +14481,7 @@
               <a:buChar char="•"/>
             </a:pPr>
             <a:r>
-              <a:rPr lang="en-US" dirty="0"/>
+              <a:rPr lang="en-US"/>
               <a:t>Knowledge acquired over previous tasks should help learning future tasks</a:t>
             </a:r>
           </a:p>
@@ -14307,7 +14490,7 @@
               <a:buFont typeface="Arial" panose="020B0604020202020204" pitchFamily="34" charset="0"/>
               <a:buChar char="•"/>
             </a:pPr>
-            <a:endParaRPr lang="en-US" dirty="0"/>
+            <a:endParaRPr lang="en-US"/>
           </a:p>
           <a:p>
             <a:pPr marL="342900" indent="-342900">
@@ -14315,7 +14498,7 @@
               <a:buAutoNum type="arabicPeriod"/>
             </a:pPr>
             <a:r>
-              <a:rPr lang="en-US" sz="2000" b="1" dirty="0"/>
+              <a:rPr lang="en-US" sz="2000" b="1"/>
               <a:t>Enable backward transfer</a:t>
             </a:r>
           </a:p>
@@ -14325,7 +14508,7 @@
               <a:buChar char="•"/>
             </a:pPr>
             <a:r>
-              <a:rPr lang="en-US" dirty="0"/>
+              <a:rPr lang="en-US"/>
               <a:t>While learning the current task, performance in previous tasks may also increase</a:t>
             </a:r>
           </a:p>
@@ -14334,7 +14517,7 @@
               <a:buFont typeface="Arial" panose="020B0604020202020204" pitchFamily="34" charset="0"/>
               <a:buChar char="•"/>
             </a:pPr>
-            <a:endParaRPr lang="en-US" dirty="0"/>
+            <a:endParaRPr lang="en-US"/>
           </a:p>
           <a:p>
             <a:pPr marL="342900" indent="-342900">
@@ -14342,7 +14525,7 @@
               <a:buAutoNum type="arabicPeriod"/>
             </a:pPr>
             <a:r>
-              <a:rPr lang="en-US" sz="2000" b="1" dirty="0"/>
+              <a:rPr lang="en-US" sz="2000" b="1"/>
               <a:t>Do not store examples</a:t>
             </a:r>
           </a:p>
@@ -14352,7 +14535,7 @@
               <a:buChar char="•"/>
             </a:pPr>
             <a:r>
-              <a:rPr lang="en-US" dirty="0"/>
+              <a:rPr lang="en-US"/>
               <a:t>Or store as few as possible</a:t>
             </a:r>
           </a:p>
@@ -15407,7 +15590,7 @@
               <a:buNone/>
             </a:pPr>
             <a:r>
-              <a:rPr lang="en-US" sz="2800" dirty="0">
+              <a:rPr lang="en-US" sz="2800">
                 <a:solidFill>
                   <a:srgbClr val="FFFFFF"/>
                 </a:solidFill>
@@ -15416,7 +15599,7 @@
               </a:rPr>
               <a:t>E.g. PNN:</a:t>
             </a:r>
-            <a:endParaRPr lang="en-US" sz="2800" dirty="0">
+            <a:endParaRPr lang="en-US" sz="2800">
               <a:solidFill>
                 <a:srgbClr val="FFFFFF"/>
               </a:solidFill>
@@ -15424,7 +15607,7 @@
           </a:p>
           <a:p>
             <a:r>
-              <a:rPr lang="en-US" sz="1700" dirty="0">
+              <a:rPr lang="en-US" sz="1700">
                 <a:solidFill>
                   <a:srgbClr val="FFFFFF"/>
                 </a:solidFill>
@@ -15434,7 +15617,7 @@
               <a:t>A progressive neural network (</a:t>
             </a:r>
             <a:r>
-              <a:rPr lang="en-US" sz="1700" dirty="0" err="1">
+              <a:rPr lang="en-US" sz="1700" err="1">
                 <a:solidFill>
                   <a:srgbClr val="FFFFFF"/>
                 </a:solidFill>
@@ -15444,7 +15627,7 @@
               <a:t>prognets</a:t>
             </a:r>
             <a:r>
-              <a:rPr lang="en-US" sz="1700" dirty="0">
+              <a:rPr lang="en-US" sz="1700">
                 <a:solidFill>
                   <a:srgbClr val="FFFFFF"/>
                 </a:solidFill>
@@ -15454,7 +15637,7 @@
               <a:t>) is a neural algorithm developed by </a:t>
             </a:r>
             <a:r>
-              <a:rPr lang="en-US" sz="1700" dirty="0" err="1">
+              <a:rPr lang="en-US" sz="1700" err="1">
                 <a:solidFill>
                   <a:srgbClr val="FFFFFF"/>
                 </a:solidFill>
@@ -15464,7 +15647,7 @@
               <a:t>Deepmind</a:t>
             </a:r>
             <a:r>
-              <a:rPr lang="en-US" sz="1700" dirty="0">
+              <a:rPr lang="en-US" sz="1700">
                 <a:solidFill>
                   <a:srgbClr val="FFFFFF"/>
                 </a:solidFill>
@@ -15474,7 +15657,7 @@
               <a:t> in their paper </a:t>
             </a:r>
             <a:r>
-              <a:rPr lang="en-US" sz="1700" i="1" u="sng" dirty="0">
+              <a:rPr lang="en-US" sz="1700" i="1" u="sng">
                 <a:solidFill>
                   <a:srgbClr val="FFFFFF"/>
                 </a:solidFill>
@@ -15485,7 +15668,7 @@
               <a:t>Progressive Neural Networks</a:t>
             </a:r>
             <a:r>
-              <a:rPr lang="en-US" sz="1700" dirty="0">
+              <a:rPr lang="en-US" sz="1700">
                 <a:solidFill>
                   <a:srgbClr val="FFFFFF"/>
                 </a:solidFill>
@@ -15495,7 +15678,7 @@
               <a:t> (</a:t>
             </a:r>
             <a:r>
-              <a:rPr lang="en-US" sz="1700" dirty="0" err="1">
+              <a:rPr lang="en-US" sz="1700" err="1">
                 <a:solidFill>
                   <a:srgbClr val="FFFFFF"/>
                 </a:solidFill>
@@ -15505,7 +15688,7 @@
               <a:t>Rusu</a:t>
             </a:r>
             <a:r>
-              <a:rPr lang="en-US" sz="1700" dirty="0">
+              <a:rPr lang="en-US" sz="1700">
                 <a:solidFill>
                   <a:srgbClr val="FFFFFF"/>
                 </a:solidFill>
@@ -15515,7 +15698,7 @@
               <a:t> et al., 2016). </a:t>
             </a:r>
             <a:r>
-              <a:rPr lang="en-US" sz="1700" dirty="0" err="1">
+              <a:rPr lang="en-US" sz="1700" err="1">
                 <a:solidFill>
                   <a:srgbClr val="FFFFFF"/>
                 </a:solidFill>
@@ -15525,7 +15708,7 @@
               <a:t>Prognets</a:t>
             </a:r>
             <a:r>
-              <a:rPr lang="en-US" sz="1700" dirty="0">
+              <a:rPr lang="en-US" sz="1700">
                 <a:solidFill>
                   <a:srgbClr val="FFFFFF"/>
                 </a:solidFill>
@@ -15534,14 +15717,14 @@
               </a:rPr>
               <a:t> are a simple, powerful, and creative solution to transfer learning — to quote the paper abstract, they “are immune to forgetting and can leverage prior knowledge via lateral connections to previously learned features”</a:t>
             </a:r>
-            <a:endParaRPr lang="en-US" sz="1700" dirty="0">
+            <a:endParaRPr lang="en-US" sz="1700">
               <a:solidFill>
                 <a:srgbClr val="FFFFFF"/>
               </a:solidFill>
             </a:endParaRPr>
           </a:p>
           <a:p>
-            <a:endParaRPr lang="en-US" sz="1700" dirty="0">
+            <a:endParaRPr lang="en-US" sz="1700">
               <a:solidFill>
                 <a:srgbClr val="FFFFFF"/>
               </a:solidFill>
@@ -16426,7 +16609,7 @@
               <a:buNone/>
             </a:pPr>
             <a:r>
-              <a:rPr lang="en-US" sz="2800" dirty="0">
+              <a:rPr lang="en-US" sz="2800">
                 <a:solidFill>
                   <a:srgbClr val="FFFFFF"/>
                 </a:solidFill>
@@ -16435,7 +16618,7 @@
               </a:rPr>
               <a:t>E.g. Learning without forgetting:</a:t>
             </a:r>
-            <a:endParaRPr lang="en-US" sz="2800" dirty="0">
+            <a:endParaRPr lang="en-US" sz="2800">
               <a:solidFill>
                 <a:srgbClr val="FFFFFF"/>
               </a:solidFill>
@@ -16443,7 +16626,7 @@
           </a:p>
           <a:p>
             <a:r>
-              <a:rPr lang="en-US" sz="1700" dirty="0">
+              <a:rPr lang="en-US" sz="1700">
                 <a:solidFill>
                   <a:schemeClr val="bg1"/>
                 </a:solidFill>
@@ -16453,7 +16636,7 @@
               <a:t>When building a unified vision system or gradually adding new capabilities to a system, the usual assumption is that training data for all tasks is always available. However, as the number of tasks grows, storing and retraining on such data becomes infeasible. A new problem arises where we add new capabilities to a </a:t>
             </a:r>
             <a:r>
-              <a:rPr lang="en-US" sz="1700" dirty="0">
+              <a:rPr lang="en-US" sz="1700">
                 <a:solidFill>
                   <a:schemeClr val="bg1"/>
                 </a:solidFill>
@@ -16470,7 +16653,7 @@
               <a:t>Convolutional Neural Network</a:t>
             </a:r>
             <a:r>
-              <a:rPr lang="en-US" sz="1700" dirty="0">
+              <a:rPr lang="en-US" sz="1700">
                 <a:solidFill>
                   <a:schemeClr val="bg1"/>
                 </a:solidFill>
@@ -16479,14 +16662,14 @@
               </a:rPr>
               <a:t> (CNN), but the training data for its existing capabilities are unavailable. The model uses only new task data to train the network while preserving the original capabilities.</a:t>
             </a:r>
-            <a:endParaRPr lang="en-US" sz="1700" dirty="0">
+            <a:endParaRPr lang="en-US" sz="1700">
               <a:solidFill>
                 <a:schemeClr val="bg1"/>
               </a:solidFill>
             </a:endParaRPr>
           </a:p>
           <a:p>
-            <a:endParaRPr lang="en-US" sz="1700" dirty="0">
+            <a:endParaRPr lang="en-US" sz="1700">
               <a:solidFill>
                 <a:srgbClr val="FFFFFF"/>
               </a:solidFill>
@@ -17311,7 +17494,7 @@
           <a:lstStyle/>
           <a:p>
             <a:r>
-              <a:rPr lang="en-US" dirty="0">
+              <a:rPr lang="en-US">
                 <a:solidFill>
                   <a:srgbClr val="FFFFFF"/>
                 </a:solidFill>
@@ -17319,10 +17502,10 @@
               <a:t>Approaches to CL</a:t>
             </a:r>
             <a:br>
-              <a:rPr lang="en-US" dirty="0"/>
+              <a:rPr lang="en-US"/>
             </a:br>
             <a:r>
-              <a:rPr lang="en-US" dirty="0">
+              <a:rPr lang="en-US">
                 <a:solidFill>
                   <a:srgbClr val="FFFFFF"/>
                 </a:solidFill>
@@ -17364,7 +17547,7 @@
               <a:buNone/>
             </a:pPr>
             <a:r>
-              <a:rPr lang="en-US" sz="2800" dirty="0">
+              <a:rPr lang="en-US" sz="2800">
                 <a:solidFill>
                   <a:srgbClr val="FFFFFF"/>
                 </a:solidFill>
@@ -17373,7 +17556,7 @@
               </a:rPr>
               <a:t>E.g. Elastic weight consolidation:</a:t>
             </a:r>
-            <a:endParaRPr lang="en-US" sz="2800" dirty="0">
+            <a:endParaRPr lang="en-US" sz="2800">
               <a:solidFill>
                 <a:srgbClr val="FFFFFF"/>
               </a:solidFill>
@@ -17381,7 +17564,7 @@
           </a:p>
           <a:p>
             <a:r>
-              <a:rPr lang="en-US" dirty="0">
+              <a:rPr lang="en-US">
                 <a:solidFill>
                   <a:schemeClr val="bg1"/>
                 </a:solidFill>
@@ -17389,14 +17572,14 @@
               <a:t>EWC ensures task A is remembered whilst training on task B. </a:t>
             </a:r>
             <a:br>
-              <a:rPr lang="en-US" dirty="0">
+              <a:rPr lang="en-US">
                 <a:solidFill>
                   <a:schemeClr val="bg1"/>
                 </a:solidFill>
               </a:rPr>
             </a:br>
             <a:r>
-              <a:rPr lang="en-US" dirty="0">
+              <a:rPr lang="en-US">
                 <a:solidFill>
                   <a:schemeClr val="bg1"/>
                 </a:solidFill>
@@ -17404,14 +17587,14 @@
               <a:t>Training trajectories are illustrated in a schematic parameter space, with parameter regions leading to good performance on task A (gray) and on task B (cream). After learning the first task, the parameters are at θ * A . If we take gradient steps according to task B alone (blue arrow), we will minimize the loss of task B but destroy what we have learnt for task A. </a:t>
             </a:r>
             <a:br>
-              <a:rPr lang="en-US" dirty="0">
+              <a:rPr lang="en-US">
                 <a:solidFill>
                   <a:schemeClr val="bg1"/>
                 </a:solidFill>
               </a:rPr>
             </a:br>
             <a:r>
-              <a:rPr lang="en-US" dirty="0">
+              <a:rPr lang="en-US">
                 <a:solidFill>
                   <a:schemeClr val="bg1"/>
                 </a:solidFill>
@@ -17420,14 +17603,14 @@
             </a:r>
           </a:p>
           <a:p>
-            <a:endParaRPr lang="en-US" sz="1700" dirty="0">
+            <a:endParaRPr lang="en-US" sz="1700">
               <a:solidFill>
                 <a:schemeClr val="bg1"/>
               </a:solidFill>
             </a:endParaRPr>
           </a:p>
           <a:p>
-            <a:endParaRPr lang="en-US" sz="1700" dirty="0">
+            <a:endParaRPr lang="en-US" sz="1700">
               <a:solidFill>
                 <a:srgbClr val="FFFFFF"/>
               </a:solidFill>
@@ -18342,7 +18525,7 @@
               <a:buNone/>
             </a:pPr>
             <a:r>
-              <a:rPr lang="en-US" sz="2800" dirty="0">
+              <a:rPr lang="en-US" sz="2800">
                 <a:solidFill>
                   <a:srgbClr val="FFFFFF"/>
                 </a:solidFill>
@@ -18351,7 +18534,7 @@
               </a:rPr>
               <a:t>E.g. (GEM) Gradient Episodic Memory:</a:t>
             </a:r>
-            <a:endParaRPr lang="en-US" sz="2800" dirty="0">
+            <a:endParaRPr lang="en-US" sz="2800">
               <a:solidFill>
                 <a:srgbClr val="FFFFFF"/>
               </a:solidFill>
@@ -18359,7 +18542,7 @@
           </a:p>
           <a:p>
             <a:r>
-              <a:rPr lang="en-US" sz="1700" dirty="0">
+              <a:rPr lang="en-US" sz="1700">
                 <a:solidFill>
                   <a:schemeClr val="bg1"/>
                 </a:solidFill>
@@ -18368,7 +18551,7 @@
               </a:rPr>
               <a:t>Here models keeps a buffer of experiences, an episodic memory.</a:t>
             </a:r>
-            <a:endParaRPr lang="en-US" sz="1700" dirty="0">
+            <a:endParaRPr lang="en-US" sz="1700">
               <a:solidFill>
                 <a:schemeClr val="bg1"/>
               </a:solidFill>
@@ -18376,7 +18559,7 @@
           </a:p>
           <a:p>
             <a:r>
-              <a:rPr lang="en-US" sz="1700" dirty="0">
+              <a:rPr lang="en-US" sz="1700">
                 <a:solidFill>
                   <a:schemeClr val="bg1"/>
                 </a:solidFill>
@@ -18385,7 +18568,7 @@
             </a:r>
           </a:p>
           <a:p>
-            <a:endParaRPr lang="en-US" sz="1700" dirty="0">
+            <a:endParaRPr lang="en-US" sz="1700">
               <a:solidFill>
                 <a:srgbClr val="FFFFFF"/>
               </a:solidFill>
@@ -18948,16 +19131,16 @@
 <file path=customXml/itemProps3.xml><?xml version="1.0" encoding="utf-8"?>
 <ds:datastoreItem xmlns:ds="http://schemas.openxmlformats.org/officeDocument/2006/customXml" ds:itemID="{CC0784AE-B498-47BA-936C-185BEC80F164}">
   <ds:schemaRefs>
+    <ds:schemaRef ds:uri="http://purl.org/dc/elements/1.1/"/>
+    <ds:schemaRef ds:uri="http://purl.org/dc/terms/"/>
+    <ds:schemaRef ds:uri="http://schemas.microsoft.com/office/2006/metadata/properties"/>
+    <ds:schemaRef ds:uri="http://schemas.microsoft.com/office/2006/documentManagement/types"/>
+    <ds:schemaRef ds:uri="http://schemas.microsoft.com/office/infopath/2007/PartnerControls"/>
+    <ds:schemaRef ds:uri="http://schemas.openxmlformats.org/package/2006/metadata/core-properties"/>
     <ds:schemaRef ds:uri="2e2b6f96-575f-4990-94ce-d3966e58ae32"/>
     <ds:schemaRef ds:uri="4734aed7-d5d7-48af-aca1-cf72287d94ea"/>
+    <ds:schemaRef ds:uri="http://www.w3.org/XML/1998/namespace"/>
     <ds:schemaRef ds:uri="http://purl.org/dc/dcmitype/"/>
-    <ds:schemaRef ds:uri="http://purl.org/dc/elements/1.1/"/>
-    <ds:schemaRef ds:uri="http://purl.org/dc/terms/"/>
-    <ds:schemaRef ds:uri="http://schemas.microsoft.com/office/2006/documentManagement/types"/>
-    <ds:schemaRef ds:uri="http://schemas.microsoft.com/office/2006/metadata/properties"/>
-    <ds:schemaRef ds:uri="http://schemas.microsoft.com/office/infopath/2007/PartnerControls"/>
-    <ds:schemaRef ds:uri="http://schemas.openxmlformats.org/package/2006/metadata/core-properties"/>
-    <ds:schemaRef ds:uri="http://www.w3.org/XML/1998/namespace"/>
   </ds:schemaRefs>
 </ds:datastoreItem>
 </file>